--- a/intro_to_brms.pptx
+++ b/intro_to_brms.pptx
@@ -5,7 +5,7 @@
     <p:sldMasterId id="2147483648" r:id="rId1"/>
   </p:sldMasterIdLst>
   <p:notesMasterIdLst>
-    <p:notesMasterId r:id="rId64"/>
+    <p:notesMasterId r:id="rId67"/>
   </p:notesMasterIdLst>
   <p:sldIdLst>
     <p:sldId id="256" r:id="rId2"/>
@@ -57,19 +57,22 @@
     <p:sldId id="267" r:id="rId48"/>
     <p:sldId id="281" r:id="rId49"/>
     <p:sldId id="285" r:id="rId50"/>
-    <p:sldId id="269" r:id="rId51"/>
-    <p:sldId id="268" r:id="rId52"/>
-    <p:sldId id="286" r:id="rId53"/>
-    <p:sldId id="270" r:id="rId54"/>
-    <p:sldId id="271" r:id="rId55"/>
-    <p:sldId id="273" r:id="rId56"/>
-    <p:sldId id="279" r:id="rId57"/>
-    <p:sldId id="272" r:id="rId58"/>
-    <p:sldId id="287" r:id="rId59"/>
-    <p:sldId id="274" r:id="rId60"/>
-    <p:sldId id="288" r:id="rId61"/>
-    <p:sldId id="283" r:id="rId62"/>
-    <p:sldId id="282" r:id="rId63"/>
+    <p:sldId id="379" r:id="rId51"/>
+    <p:sldId id="269" r:id="rId52"/>
+    <p:sldId id="268" r:id="rId53"/>
+    <p:sldId id="286" r:id="rId54"/>
+    <p:sldId id="270" r:id="rId55"/>
+    <p:sldId id="271" r:id="rId56"/>
+    <p:sldId id="273" r:id="rId57"/>
+    <p:sldId id="279" r:id="rId58"/>
+    <p:sldId id="381" r:id="rId59"/>
+    <p:sldId id="272" r:id="rId60"/>
+    <p:sldId id="287" r:id="rId61"/>
+    <p:sldId id="274" r:id="rId62"/>
+    <p:sldId id="288" r:id="rId63"/>
+    <p:sldId id="382" r:id="rId64"/>
+    <p:sldId id="283" r:id="rId65"/>
+    <p:sldId id="282" r:id="rId66"/>
   </p:sldIdLst>
   <p:sldSz cx="12192000" cy="6858000"/>
   <p:notesSz cx="6858000" cy="9144000"/>
@@ -20536,7 +20539,23 @@
             </a:r>
             <a:r>
               <a:rPr lang="en-US" dirty="0"/>
-              <a:t> here (REF):</a:t>
+              <a:t> here (Barr, Levy, </a:t>
+            </a:r>
+            <a:r>
+              <a:rPr lang="en-US" dirty="0" err="1"/>
+              <a:t>Schepers</a:t>
+            </a:r>
+            <a:r>
+              <a:rPr lang="en-US" dirty="0"/>
+              <a:t>, &amp; </a:t>
+            </a:r>
+            <a:r>
+              <a:rPr lang="en-US" dirty="0" err="1"/>
+              <a:t>Tily</a:t>
+            </a:r>
+            <a:r>
+              <a:rPr lang="en-US" dirty="0"/>
+              <a:t>, 2013):</a:t>
             </a:r>
           </a:p>
           <a:p>
@@ -20558,6 +20577,13 @@
             <a:r>
               <a:rPr lang="en-US" dirty="0"/>
               <a:t>An adjustment of the fixed-effect for each grouping level</a:t>
+            </a:r>
+          </a:p>
+          <a:p>
+            <a:pPr lvl="1"/>
+            <a:r>
+              <a:rPr lang="en-US" dirty="0"/>
+              <a:t>The correlations between these adjustments</a:t>
             </a:r>
           </a:p>
         </p:txBody>
@@ -20583,7 +20609,7 @@
         </p:blipFill>
         <p:spPr>
           <a:xfrm>
-            <a:off x="761261" y="3590747"/>
+            <a:off x="761261" y="4141162"/>
             <a:ext cx="9925050" cy="2124075"/>
           </a:xfrm>
           <a:prstGeom prst="rect">
@@ -21580,6 +21606,352 @@
           </a:prstGeom>
         </p:spPr>
       </p:pic>
+      <p:pic>
+        <p:nvPicPr>
+          <p:cNvPr id="2" name="Picture 1">
+            <a:extLst>
+              <a:ext uri="{FF2B5EF4-FFF2-40B4-BE49-F238E27FC236}">
+                <a16:creationId xmlns:a16="http://schemas.microsoft.com/office/drawing/2014/main" id="{6B25377F-7697-44F1-8F43-7D5AABE0E7F8}"/>
+              </a:ext>
+            </a:extLst>
+          </p:cNvPr>
+          <p:cNvPicPr>
+            <a:picLocks noChangeAspect="1"/>
+          </p:cNvPicPr>
+          <p:nvPr/>
+        </p:nvPicPr>
+        <p:blipFill>
+          <a:blip r:embed="rId3"/>
+          <a:stretch>
+            <a:fillRect/>
+          </a:stretch>
+        </p:blipFill>
+        <p:spPr>
+          <a:xfrm>
+            <a:off x="1841500" y="1818109"/>
+            <a:ext cx="8509000" cy="4498716"/>
+          </a:xfrm>
+          <a:prstGeom prst="rect">
+            <a:avLst/>
+          </a:prstGeom>
+        </p:spPr>
+      </p:pic>
+      <p:sp>
+        <p:nvSpPr>
+          <p:cNvPr id="4" name="Rectangle 3">
+            <a:extLst>
+              <a:ext uri="{FF2B5EF4-FFF2-40B4-BE49-F238E27FC236}">
+                <a16:creationId xmlns:a16="http://schemas.microsoft.com/office/drawing/2014/main" id="{ABB3B1AA-6E0B-4F9B-BFF5-611EE3AA812F}"/>
+              </a:ext>
+            </a:extLst>
+          </p:cNvPr>
+          <p:cNvSpPr/>
+          <p:nvPr/>
+        </p:nvSpPr>
+        <p:spPr>
+          <a:xfrm>
+            <a:off x="5408195" y="112815"/>
+            <a:ext cx="1612107" cy="315761"/>
+          </a:xfrm>
+          <a:prstGeom prst="rect">
+            <a:avLst/>
+          </a:prstGeom>
+          <a:noFill/>
+          <a:ln w="57150">
+            <a:solidFill>
+              <a:srgbClr val="00B050"/>
+            </a:solidFill>
+          </a:ln>
+        </p:spPr>
+        <p:style>
+          <a:lnRef idx="2">
+            <a:schemeClr val="accent1">
+              <a:shade val="50000"/>
+            </a:schemeClr>
+          </a:lnRef>
+          <a:fillRef idx="1">
+            <a:schemeClr val="accent1"/>
+          </a:fillRef>
+          <a:effectRef idx="0">
+            <a:schemeClr val="accent1"/>
+          </a:effectRef>
+          <a:fontRef idx="minor">
+            <a:schemeClr val="lt1"/>
+          </a:fontRef>
+        </p:style>
+        <p:txBody>
+          <a:bodyPr rtlCol="0" anchor="ctr"/>
+          <a:lstStyle/>
+          <a:p>
+            <a:pPr algn="ctr"/>
+            <a:endParaRPr lang="en-US"/>
+          </a:p>
+        </p:txBody>
+      </p:sp>
+      <p:sp>
+        <p:nvSpPr>
+          <p:cNvPr id="5" name="Rectangle 4">
+            <a:extLst>
+              <a:ext uri="{FF2B5EF4-FFF2-40B4-BE49-F238E27FC236}">
+                <a16:creationId xmlns:a16="http://schemas.microsoft.com/office/drawing/2014/main" id="{D135B8B4-B9D9-4A3D-B3AF-AD954D19A579}"/>
+              </a:ext>
+            </a:extLst>
+          </p:cNvPr>
+          <p:cNvSpPr/>
+          <p:nvPr/>
+        </p:nvSpPr>
+        <p:spPr>
+          <a:xfrm>
+            <a:off x="4776399" y="465072"/>
+            <a:ext cx="4086225" cy="697879"/>
+          </a:xfrm>
+          <a:prstGeom prst="rect">
+            <a:avLst/>
+          </a:prstGeom>
+          <a:noFill/>
+          <a:ln w="57150">
+            <a:solidFill>
+              <a:schemeClr val="accent2">
+                <a:lumMod val="75000"/>
+              </a:schemeClr>
+            </a:solidFill>
+          </a:ln>
+        </p:spPr>
+        <p:style>
+          <a:lnRef idx="2">
+            <a:schemeClr val="accent1">
+              <a:shade val="50000"/>
+            </a:schemeClr>
+          </a:lnRef>
+          <a:fillRef idx="1">
+            <a:schemeClr val="accent1"/>
+          </a:fillRef>
+          <a:effectRef idx="0">
+            <a:schemeClr val="accent1"/>
+          </a:effectRef>
+          <a:fontRef idx="minor">
+            <a:schemeClr val="lt1"/>
+          </a:fontRef>
+        </p:style>
+        <p:txBody>
+          <a:bodyPr rtlCol="0" anchor="ctr"/>
+          <a:lstStyle/>
+          <a:p>
+            <a:pPr algn="ctr"/>
+            <a:endParaRPr lang="en-US"/>
+          </a:p>
+        </p:txBody>
+      </p:sp>
+      <p:sp>
+        <p:nvSpPr>
+          <p:cNvPr id="6" name="Rectangle 5">
+            <a:extLst>
+              <a:ext uri="{FF2B5EF4-FFF2-40B4-BE49-F238E27FC236}">
+                <a16:creationId xmlns:a16="http://schemas.microsoft.com/office/drawing/2014/main" id="{21D46163-49C5-475F-90E2-6DF480C8E468}"/>
+              </a:ext>
+            </a:extLst>
+          </p:cNvPr>
+          <p:cNvSpPr/>
+          <p:nvPr/>
+        </p:nvSpPr>
+        <p:spPr>
+          <a:xfrm>
+            <a:off x="7093241" y="359256"/>
+            <a:ext cx="176217" cy="909510"/>
+          </a:xfrm>
+          <a:prstGeom prst="rect">
+            <a:avLst/>
+          </a:prstGeom>
+          <a:noFill/>
+          <a:ln w="57150">
+            <a:solidFill>
+              <a:srgbClr val="843C0C"/>
+            </a:solidFill>
+          </a:ln>
+        </p:spPr>
+        <p:style>
+          <a:lnRef idx="2">
+            <a:schemeClr val="accent1">
+              <a:shade val="50000"/>
+            </a:schemeClr>
+          </a:lnRef>
+          <a:fillRef idx="1">
+            <a:schemeClr val="accent1"/>
+          </a:fillRef>
+          <a:effectRef idx="0">
+            <a:schemeClr val="accent1"/>
+          </a:effectRef>
+          <a:fontRef idx="minor">
+            <a:schemeClr val="lt1"/>
+          </a:fontRef>
+        </p:style>
+        <p:txBody>
+          <a:bodyPr rtlCol="0" anchor="ctr"/>
+          <a:lstStyle/>
+          <a:p>
+            <a:pPr algn="ctr"/>
+            <a:endParaRPr lang="en-US"/>
+          </a:p>
+        </p:txBody>
+      </p:sp>
+      <p:sp>
+        <p:nvSpPr>
+          <p:cNvPr id="7" name="Rectangle 6">
+            <a:extLst>
+              <a:ext uri="{FF2B5EF4-FFF2-40B4-BE49-F238E27FC236}">
+                <a16:creationId xmlns:a16="http://schemas.microsoft.com/office/drawing/2014/main" id="{090D584B-EDE7-4633-8F05-E69D04766545}"/>
+              </a:ext>
+            </a:extLst>
+          </p:cNvPr>
+          <p:cNvSpPr/>
+          <p:nvPr/>
+        </p:nvSpPr>
+        <p:spPr>
+          <a:xfrm>
+            <a:off x="1715815" y="1942932"/>
+            <a:ext cx="5918167" cy="2327064"/>
+          </a:xfrm>
+          <a:prstGeom prst="rect">
+            <a:avLst/>
+          </a:prstGeom>
+          <a:noFill/>
+          <a:ln w="57150">
+            <a:solidFill>
+              <a:schemeClr val="accent2">
+                <a:lumMod val="75000"/>
+              </a:schemeClr>
+            </a:solidFill>
+          </a:ln>
+        </p:spPr>
+        <p:style>
+          <a:lnRef idx="2">
+            <a:schemeClr val="accent1">
+              <a:shade val="50000"/>
+            </a:schemeClr>
+          </a:lnRef>
+          <a:fillRef idx="1">
+            <a:schemeClr val="accent1"/>
+          </a:fillRef>
+          <a:effectRef idx="0">
+            <a:schemeClr val="accent1"/>
+          </a:effectRef>
+          <a:fontRef idx="minor">
+            <a:schemeClr val="lt1"/>
+          </a:fontRef>
+        </p:style>
+        <p:txBody>
+          <a:bodyPr rtlCol="0" anchor="ctr"/>
+          <a:lstStyle/>
+          <a:p>
+            <a:pPr algn="ctr"/>
+            <a:endParaRPr lang="en-US"/>
+          </a:p>
+        </p:txBody>
+      </p:sp>
+      <p:sp>
+        <p:nvSpPr>
+          <p:cNvPr id="8" name="Rectangle 7">
+            <a:extLst>
+              <a:ext uri="{FF2B5EF4-FFF2-40B4-BE49-F238E27FC236}">
+                <a16:creationId xmlns:a16="http://schemas.microsoft.com/office/drawing/2014/main" id="{B3AC44FB-8408-43DA-B080-E2BF5725B47D}"/>
+              </a:ext>
+            </a:extLst>
+          </p:cNvPr>
+          <p:cNvSpPr/>
+          <p:nvPr/>
+        </p:nvSpPr>
+        <p:spPr>
+          <a:xfrm>
+            <a:off x="7679947" y="1942931"/>
+            <a:ext cx="918769" cy="2327063"/>
+          </a:xfrm>
+          <a:prstGeom prst="rect">
+            <a:avLst/>
+          </a:prstGeom>
+          <a:noFill/>
+          <a:ln w="57150">
+            <a:solidFill>
+              <a:srgbClr val="843C0C"/>
+            </a:solidFill>
+          </a:ln>
+        </p:spPr>
+        <p:style>
+          <a:lnRef idx="2">
+            <a:schemeClr val="accent1">
+              <a:shade val="50000"/>
+            </a:schemeClr>
+          </a:lnRef>
+          <a:fillRef idx="1">
+            <a:schemeClr val="accent1"/>
+          </a:fillRef>
+          <a:effectRef idx="0">
+            <a:schemeClr val="accent1"/>
+          </a:effectRef>
+          <a:fontRef idx="minor">
+            <a:schemeClr val="lt1"/>
+          </a:fontRef>
+        </p:style>
+        <p:txBody>
+          <a:bodyPr rtlCol="0" anchor="ctr"/>
+          <a:lstStyle/>
+          <a:p>
+            <a:pPr algn="ctr"/>
+            <a:endParaRPr lang="en-US"/>
+          </a:p>
+        </p:txBody>
+      </p:sp>
+      <p:sp>
+        <p:nvSpPr>
+          <p:cNvPr id="10" name="Rectangle 9">
+            <a:extLst>
+              <a:ext uri="{FF2B5EF4-FFF2-40B4-BE49-F238E27FC236}">
+                <a16:creationId xmlns:a16="http://schemas.microsoft.com/office/drawing/2014/main" id="{D1F77A0F-4D2D-4C87-B085-E633C6C9A50C}"/>
+              </a:ext>
+            </a:extLst>
+          </p:cNvPr>
+          <p:cNvSpPr/>
+          <p:nvPr/>
+        </p:nvSpPr>
+        <p:spPr>
+          <a:xfrm>
+            <a:off x="1715815" y="4925154"/>
+            <a:ext cx="5918167" cy="1516494"/>
+          </a:xfrm>
+          <a:prstGeom prst="rect">
+            <a:avLst/>
+          </a:prstGeom>
+          <a:noFill/>
+          <a:ln w="57150">
+            <a:solidFill>
+              <a:srgbClr val="00B050"/>
+            </a:solidFill>
+          </a:ln>
+        </p:spPr>
+        <p:style>
+          <a:lnRef idx="2">
+            <a:schemeClr val="accent1">
+              <a:shade val="50000"/>
+            </a:schemeClr>
+          </a:lnRef>
+          <a:fillRef idx="1">
+            <a:schemeClr val="accent1"/>
+          </a:fillRef>
+          <a:effectRef idx="0">
+            <a:schemeClr val="accent1"/>
+          </a:effectRef>
+          <a:fontRef idx="minor">
+            <a:schemeClr val="lt1"/>
+          </a:fontRef>
+        </p:style>
+        <p:txBody>
+          <a:bodyPr rtlCol="0" anchor="ctr"/>
+          <a:lstStyle/>
+          <a:p>
+            <a:pPr algn="ctr"/>
+            <a:endParaRPr lang="en-US"/>
+          </a:p>
+        </p:txBody>
+      </p:sp>
     </p:spTree>
     <p:extLst>
       <p:ext uri="{BB962C8B-B14F-4D97-AF65-F5344CB8AC3E}">
@@ -21590,6 +21962,242 @@
   <p:clrMapOvr>
     <a:masterClrMapping/>
   </p:clrMapOvr>
+  <p:timing>
+    <p:tnLst>
+      <p:par>
+        <p:cTn id="1" dur="indefinite" restart="never" nodeType="tmRoot">
+          <p:childTnLst>
+            <p:seq concurrent="1" nextAc="seek">
+              <p:cTn id="2" dur="indefinite" nodeType="mainSeq">
+                <p:childTnLst>
+                  <p:par>
+                    <p:cTn id="3" fill="hold">
+                      <p:stCondLst>
+                        <p:cond delay="indefinite"/>
+                      </p:stCondLst>
+                      <p:childTnLst>
+                        <p:par>
+                          <p:cTn id="4" fill="hold">
+                            <p:stCondLst>
+                              <p:cond delay="0"/>
+                            </p:stCondLst>
+                            <p:childTnLst>
+                              <p:par>
+                                <p:cTn id="5" presetID="1" presetClass="entr" presetSubtype="0" fill="hold" grpId="0" nodeType="clickEffect">
+                                  <p:stCondLst>
+                                    <p:cond delay="0"/>
+                                  </p:stCondLst>
+                                  <p:childTnLst>
+                                    <p:set>
+                                      <p:cBhvr>
+                                        <p:cTn id="6" dur="1" fill="hold">
+                                          <p:stCondLst>
+                                            <p:cond delay="0"/>
+                                          </p:stCondLst>
+                                        </p:cTn>
+                                        <p:tgtEl>
+                                          <p:spTgt spid="4"/>
+                                        </p:tgtEl>
+                                        <p:attrNameLst>
+                                          <p:attrName>style.visibility</p:attrName>
+                                        </p:attrNameLst>
+                                      </p:cBhvr>
+                                      <p:to>
+                                        <p:strVal val="visible"/>
+                                      </p:to>
+                                    </p:set>
+                                  </p:childTnLst>
+                                </p:cTn>
+                              </p:par>
+                              <p:par>
+                                <p:cTn id="7" presetID="1" presetClass="entr" presetSubtype="0" fill="hold" grpId="0" nodeType="withEffect">
+                                  <p:stCondLst>
+                                    <p:cond delay="0"/>
+                                  </p:stCondLst>
+                                  <p:childTnLst>
+                                    <p:set>
+                                      <p:cBhvr>
+                                        <p:cTn id="8" dur="1" fill="hold">
+                                          <p:stCondLst>
+                                            <p:cond delay="0"/>
+                                          </p:stCondLst>
+                                        </p:cTn>
+                                        <p:tgtEl>
+                                          <p:spTgt spid="5"/>
+                                        </p:tgtEl>
+                                        <p:attrNameLst>
+                                          <p:attrName>style.visibility</p:attrName>
+                                        </p:attrNameLst>
+                                      </p:cBhvr>
+                                      <p:to>
+                                        <p:strVal val="visible"/>
+                                      </p:to>
+                                    </p:set>
+                                  </p:childTnLst>
+                                </p:cTn>
+                              </p:par>
+                              <p:par>
+                                <p:cTn id="9" presetID="1" presetClass="entr" presetSubtype="0" fill="hold" grpId="0" nodeType="withEffect">
+                                  <p:stCondLst>
+                                    <p:cond delay="0"/>
+                                  </p:stCondLst>
+                                  <p:childTnLst>
+                                    <p:set>
+                                      <p:cBhvr>
+                                        <p:cTn id="10" dur="1" fill="hold">
+                                          <p:stCondLst>
+                                            <p:cond delay="0"/>
+                                          </p:stCondLst>
+                                        </p:cTn>
+                                        <p:tgtEl>
+                                          <p:spTgt spid="6"/>
+                                        </p:tgtEl>
+                                        <p:attrNameLst>
+                                          <p:attrName>style.visibility</p:attrName>
+                                        </p:attrNameLst>
+                                      </p:cBhvr>
+                                      <p:to>
+                                        <p:strVal val="visible"/>
+                                      </p:to>
+                                    </p:set>
+                                  </p:childTnLst>
+                                </p:cTn>
+                              </p:par>
+                              <p:par>
+                                <p:cTn id="11" presetID="1" presetClass="entr" presetSubtype="0" fill="hold" grpId="0" nodeType="withEffect">
+                                  <p:stCondLst>
+                                    <p:cond delay="0"/>
+                                  </p:stCondLst>
+                                  <p:childTnLst>
+                                    <p:set>
+                                      <p:cBhvr>
+                                        <p:cTn id="12" dur="1" fill="hold">
+                                          <p:stCondLst>
+                                            <p:cond delay="0"/>
+                                          </p:stCondLst>
+                                        </p:cTn>
+                                        <p:tgtEl>
+                                          <p:spTgt spid="7"/>
+                                        </p:tgtEl>
+                                        <p:attrNameLst>
+                                          <p:attrName>style.visibility</p:attrName>
+                                        </p:attrNameLst>
+                                      </p:cBhvr>
+                                      <p:to>
+                                        <p:strVal val="visible"/>
+                                      </p:to>
+                                    </p:set>
+                                  </p:childTnLst>
+                                </p:cTn>
+                              </p:par>
+                              <p:par>
+                                <p:cTn id="13" presetID="1" presetClass="entr" presetSubtype="0" fill="hold" grpId="0" nodeType="withEffect">
+                                  <p:stCondLst>
+                                    <p:cond delay="0"/>
+                                  </p:stCondLst>
+                                  <p:childTnLst>
+                                    <p:set>
+                                      <p:cBhvr>
+                                        <p:cTn id="14" dur="1" fill="hold">
+                                          <p:stCondLst>
+                                            <p:cond delay="0"/>
+                                          </p:stCondLst>
+                                        </p:cTn>
+                                        <p:tgtEl>
+                                          <p:spTgt spid="8"/>
+                                        </p:tgtEl>
+                                        <p:attrNameLst>
+                                          <p:attrName>style.visibility</p:attrName>
+                                        </p:attrNameLst>
+                                      </p:cBhvr>
+                                      <p:to>
+                                        <p:strVal val="visible"/>
+                                      </p:to>
+                                    </p:set>
+                                  </p:childTnLst>
+                                </p:cTn>
+                              </p:par>
+                            </p:childTnLst>
+                          </p:cTn>
+                        </p:par>
+                      </p:childTnLst>
+                    </p:cTn>
+                  </p:par>
+                  <p:par>
+                    <p:cTn id="15" fill="hold">
+                      <p:stCondLst>
+                        <p:cond delay="indefinite"/>
+                      </p:stCondLst>
+                      <p:childTnLst>
+                        <p:par>
+                          <p:cTn id="16" fill="hold">
+                            <p:stCondLst>
+                              <p:cond delay="0"/>
+                            </p:stCondLst>
+                            <p:childTnLst>
+                              <p:par>
+                                <p:cTn id="17" presetID="1" presetClass="entr" presetSubtype="0" fill="hold" grpId="0" nodeType="clickEffect">
+                                  <p:stCondLst>
+                                    <p:cond delay="0"/>
+                                  </p:stCondLst>
+                                  <p:childTnLst>
+                                    <p:set>
+                                      <p:cBhvr>
+                                        <p:cTn id="18" dur="1" fill="hold">
+                                          <p:stCondLst>
+                                            <p:cond delay="0"/>
+                                          </p:stCondLst>
+                                        </p:cTn>
+                                        <p:tgtEl>
+                                          <p:spTgt spid="10"/>
+                                        </p:tgtEl>
+                                        <p:attrNameLst>
+                                          <p:attrName>style.visibility</p:attrName>
+                                        </p:attrNameLst>
+                                      </p:cBhvr>
+                                      <p:to>
+                                        <p:strVal val="visible"/>
+                                      </p:to>
+                                    </p:set>
+                                  </p:childTnLst>
+                                </p:cTn>
+                              </p:par>
+                            </p:childTnLst>
+                          </p:cTn>
+                        </p:par>
+                      </p:childTnLst>
+                    </p:cTn>
+                  </p:par>
+                </p:childTnLst>
+              </p:cTn>
+              <p:prevCondLst>
+                <p:cond evt="onPrev" delay="0">
+                  <p:tgtEl>
+                    <p:sldTgt/>
+                  </p:tgtEl>
+                </p:cond>
+              </p:prevCondLst>
+              <p:nextCondLst>
+                <p:cond evt="onNext" delay="0">
+                  <p:tgtEl>
+                    <p:sldTgt/>
+                  </p:tgtEl>
+                </p:cond>
+              </p:nextCondLst>
+            </p:seq>
+          </p:childTnLst>
+        </p:cTn>
+      </p:par>
+    </p:tnLst>
+    <p:bldLst>
+      <p:bldP spid="4" grpId="0" animBg="1"/>
+      <p:bldP spid="5" grpId="0" animBg="1"/>
+      <p:bldP spid="6" grpId="0" animBg="1"/>
+      <p:bldP spid="7" grpId="0" animBg="1"/>
+      <p:bldP spid="8" grpId="0" animBg="1"/>
+      <p:bldP spid="10" grpId="0" animBg="1"/>
+    </p:bldLst>
+  </p:timing>
 </p:sld>
 </file>
 
@@ -24677,7 +25285,7 @@
               <a:rPr lang="en-US" sz="2400" dirty="0">
                 <a:latin typeface="Consolas" panose="020B0609020204030204" pitchFamily="49" charset="0"/>
               </a:rPr>
-              <a:t>(formula))</a:t>
+              <a:t>(brm1))</a:t>
             </a:r>
             <a:endParaRPr lang="en-US" sz="3200" dirty="0">
               <a:latin typeface="Consolas" panose="020B0609020204030204" pitchFamily="49" charset="0"/>
@@ -25747,7 +26355,7 @@
                             </p:stCondLst>
                             <p:childTnLst>
                               <p:par>
-                                <p:cTn id="5" presetID="1" presetClass="entr" presetSubtype="0" fill="hold" grpId="0" nodeType="clickEffect">
+                                <p:cTn id="5" presetID="1" presetClass="entr" presetSubtype="0" fill="hold" nodeType="clickEffect">
                                   <p:stCondLst>
                                     <p:cond delay="0"/>
                                   </p:stCondLst>
@@ -25760,7 +26368,7 @@
                                           </p:stCondLst>
                                         </p:cTn>
                                         <p:tgtEl>
-                                          <p:spTgt spid="20"/>
+                                          <p:spTgt spid="6"/>
                                         </p:tgtEl>
                                         <p:attrNameLst>
                                           <p:attrName>style.visibility</p:attrName>
@@ -25773,35 +26381,26 @@
                                   </p:childTnLst>
                                 </p:cTn>
                               </p:par>
+                            </p:childTnLst>
+                          </p:cTn>
+                        </p:par>
+                      </p:childTnLst>
+                    </p:cTn>
+                  </p:par>
+                  <p:par>
+                    <p:cTn id="7" fill="hold">
+                      <p:stCondLst>
+                        <p:cond delay="indefinite"/>
+                      </p:stCondLst>
+                      <p:childTnLst>
+                        <p:par>
+                          <p:cTn id="8" fill="hold">
+                            <p:stCondLst>
+                              <p:cond delay="0"/>
+                            </p:stCondLst>
+                            <p:childTnLst>
                               <p:par>
-                                <p:cTn id="7" presetID="1" presetClass="entr" presetSubtype="0" fill="hold" grpId="0" nodeType="withEffect">
-                                  <p:stCondLst>
-                                    <p:cond delay="0"/>
-                                  </p:stCondLst>
-                                  <p:childTnLst>
-                                    <p:set>
-                                      <p:cBhvr>
-                                        <p:cTn id="8" dur="1" fill="hold">
-                                          <p:stCondLst>
-                                            <p:cond delay="0"/>
-                                          </p:stCondLst>
-                                        </p:cTn>
-                                        <p:tgtEl>
-                                          <p:spTgt spid="15"/>
-                                        </p:tgtEl>
-                                        <p:attrNameLst>
-                                          <p:attrName>style.visibility</p:attrName>
-                                        </p:attrNameLst>
-                                      </p:cBhvr>
-                                      <p:to>
-                                        <p:strVal val="visible"/>
-                                      </p:to>
-                                    </p:set>
-                                  </p:childTnLst>
-                                </p:cTn>
-                              </p:par>
-                              <p:par>
-                                <p:cTn id="9" presetID="1" presetClass="entr" presetSubtype="0" fill="hold" grpId="0" nodeType="withEffect">
+                                <p:cTn id="9" presetID="1" presetClass="entr" presetSubtype="0" fill="hold" grpId="0" nodeType="clickEffect">
                                   <p:stCondLst>
                                     <p:cond delay="0"/>
                                   </p:stCondLst>
@@ -25814,7 +26413,7 @@
                                           </p:stCondLst>
                                         </p:cTn>
                                         <p:tgtEl>
-                                          <p:spTgt spid="17"/>
+                                          <p:spTgt spid="20"/>
                                         </p:tgtEl>
                                         <p:attrNameLst>
                                           <p:attrName>style.visibility</p:attrName>
@@ -25841,6 +26440,60 @@
                                           </p:stCondLst>
                                         </p:cTn>
                                         <p:tgtEl>
+                                          <p:spTgt spid="15"/>
+                                        </p:tgtEl>
+                                        <p:attrNameLst>
+                                          <p:attrName>style.visibility</p:attrName>
+                                        </p:attrNameLst>
+                                      </p:cBhvr>
+                                      <p:to>
+                                        <p:strVal val="visible"/>
+                                      </p:to>
+                                    </p:set>
+                                  </p:childTnLst>
+                                </p:cTn>
+                              </p:par>
+                              <p:par>
+                                <p:cTn id="13" presetID="1" presetClass="entr" presetSubtype="0" fill="hold" grpId="0" nodeType="withEffect">
+                                  <p:stCondLst>
+                                    <p:cond delay="0"/>
+                                  </p:stCondLst>
+                                  <p:childTnLst>
+                                    <p:set>
+                                      <p:cBhvr>
+                                        <p:cTn id="14" dur="1" fill="hold">
+                                          <p:stCondLst>
+                                            <p:cond delay="0"/>
+                                          </p:stCondLst>
+                                        </p:cTn>
+                                        <p:tgtEl>
+                                          <p:spTgt spid="17"/>
+                                        </p:tgtEl>
+                                        <p:attrNameLst>
+                                          <p:attrName>style.visibility</p:attrName>
+                                        </p:attrNameLst>
+                                      </p:cBhvr>
+                                      <p:to>
+                                        <p:strVal val="visible"/>
+                                      </p:to>
+                                    </p:set>
+                                  </p:childTnLst>
+                                </p:cTn>
+                              </p:par>
+                              <p:par>
+                                <p:cTn id="15" presetID="1" presetClass="entr" presetSubtype="0" fill="hold" grpId="0" nodeType="withEffect">
+                                  <p:stCondLst>
+                                    <p:cond delay="0"/>
+                                  </p:stCondLst>
+                                  <p:childTnLst>
+                                    <p:set>
+                                      <p:cBhvr>
+                                        <p:cTn id="16" dur="1" fill="hold">
+                                          <p:stCondLst>
+                                            <p:cond delay="0"/>
+                                          </p:stCondLst>
+                                        </p:cTn>
+                                        <p:tgtEl>
                                           <p:spTgt spid="8"/>
                                         </p:tgtEl>
                                         <p:attrNameLst>
@@ -25855,14 +26508,14 @@
                                 </p:cTn>
                               </p:par>
                               <p:par>
-                                <p:cTn id="13" presetID="1" presetClass="entr" presetSubtype="0" fill="hold" nodeType="withEffect">
+                                <p:cTn id="17" presetID="1" presetClass="entr" presetSubtype="0" fill="hold" nodeType="withEffect">
                                   <p:stCondLst>
                                     <p:cond delay="0"/>
                                   </p:stCondLst>
                                   <p:childTnLst>
                                     <p:set>
                                       <p:cBhvr>
-                                        <p:cTn id="14" dur="1" fill="hold">
+                                        <p:cTn id="18" dur="1" fill="hold">
                                           <p:stCondLst>
                                             <p:cond delay="0"/>
                                           </p:stCondLst>
@@ -25892,26 +26545,26 @@
                     </p:cTn>
                   </p:par>
                   <p:par>
-                    <p:cTn id="15" fill="hold">
+                    <p:cTn id="19" fill="hold">
                       <p:stCondLst>
                         <p:cond delay="indefinite"/>
                       </p:stCondLst>
                       <p:childTnLst>
                         <p:par>
-                          <p:cTn id="16" fill="hold">
+                          <p:cTn id="20" fill="hold">
                             <p:stCondLst>
                               <p:cond delay="0"/>
                             </p:stCondLst>
                             <p:childTnLst>
                               <p:par>
-                                <p:cTn id="17" presetID="1" presetClass="entr" presetSubtype="0" fill="hold" grpId="0" nodeType="clickEffect">
+                                <p:cTn id="21" presetID="1" presetClass="entr" presetSubtype="0" fill="hold" grpId="0" nodeType="clickEffect">
                                   <p:stCondLst>
                                     <p:cond delay="0"/>
                                   </p:stCondLst>
                                   <p:childTnLst>
                                     <p:set>
                                       <p:cBhvr>
-                                        <p:cTn id="18" dur="1" fill="hold">
+                                        <p:cTn id="22" dur="1" fill="hold">
                                           <p:stCondLst>
                                             <p:cond delay="0"/>
                                           </p:stCondLst>
@@ -25931,14 +26584,14 @@
                                 </p:cTn>
                               </p:par>
                               <p:par>
-                                <p:cTn id="19" presetID="1" presetClass="entr" presetSubtype="0" fill="hold" grpId="0" nodeType="withEffect">
+                                <p:cTn id="23" presetID="1" presetClass="entr" presetSubtype="0" fill="hold" grpId="0" nodeType="withEffect">
                                   <p:stCondLst>
                                     <p:cond delay="0"/>
                                   </p:stCondLst>
                                   <p:childTnLst>
                                     <p:set>
                                       <p:cBhvr>
-                                        <p:cTn id="20" dur="1" fill="hold">
+                                        <p:cTn id="24" dur="1" fill="hold">
                                           <p:stCondLst>
                                             <p:cond delay="0"/>
                                           </p:stCondLst>
@@ -25958,14 +26611,14 @@
                                 </p:cTn>
                               </p:par>
                               <p:par>
-                                <p:cTn id="21" presetID="1" presetClass="entr" presetSubtype="0" fill="hold" grpId="0" nodeType="withEffect">
+                                <p:cTn id="25" presetID="1" presetClass="entr" presetSubtype="0" fill="hold" grpId="0" nodeType="withEffect">
                                   <p:stCondLst>
                                     <p:cond delay="0"/>
                                   </p:stCondLst>
                                   <p:childTnLst>
                                     <p:set>
                                       <p:cBhvr>
-                                        <p:cTn id="22" dur="1" fill="hold">
+                                        <p:cTn id="26" dur="1" fill="hold">
                                           <p:stCondLst>
                                             <p:cond delay="0"/>
                                           </p:stCondLst>
@@ -25985,14 +26638,14 @@
                                 </p:cTn>
                               </p:par>
                               <p:par>
-                                <p:cTn id="23" presetID="1" presetClass="entr" presetSubtype="0" fill="hold" nodeType="withEffect">
+                                <p:cTn id="27" presetID="1" presetClass="entr" presetSubtype="0" fill="hold" nodeType="withEffect">
                                   <p:stCondLst>
                                     <p:cond delay="0"/>
                                   </p:stCondLst>
                                   <p:childTnLst>
                                     <p:set>
                                       <p:cBhvr>
-                                        <p:cTn id="24" dur="1" fill="hold">
+                                        <p:cTn id="28" dur="1" fill="hold">
                                           <p:stCondLst>
                                             <p:cond delay="0"/>
                                           </p:stCondLst>
@@ -26022,26 +26675,26 @@
                     </p:cTn>
                   </p:par>
                   <p:par>
-                    <p:cTn id="25" fill="hold">
+                    <p:cTn id="29" fill="hold">
                       <p:stCondLst>
                         <p:cond delay="indefinite"/>
                       </p:stCondLst>
                       <p:childTnLst>
                         <p:par>
-                          <p:cTn id="26" fill="hold">
+                          <p:cTn id="30" fill="hold">
                             <p:stCondLst>
                               <p:cond delay="0"/>
                             </p:stCondLst>
                             <p:childTnLst>
                               <p:par>
-                                <p:cTn id="27" presetID="1" presetClass="entr" presetSubtype="0" fill="hold" grpId="0" nodeType="clickEffect">
+                                <p:cTn id="31" presetID="1" presetClass="entr" presetSubtype="0" fill="hold" grpId="0" nodeType="clickEffect">
                                   <p:stCondLst>
                                     <p:cond delay="0"/>
                                   </p:stCondLst>
                                   <p:childTnLst>
                                     <p:set>
                                       <p:cBhvr>
-                                        <p:cTn id="28" dur="1" fill="hold">
+                                        <p:cTn id="32" dur="1" fill="hold">
                                           <p:stCondLst>
                                             <p:cond delay="0"/>
                                           </p:stCondLst>
@@ -26061,14 +26714,14 @@
                                 </p:cTn>
                               </p:par>
                               <p:par>
-                                <p:cTn id="29" presetID="1" presetClass="entr" presetSubtype="0" fill="hold" grpId="0" nodeType="withEffect">
+                                <p:cTn id="33" presetID="1" presetClass="entr" presetSubtype="0" fill="hold" grpId="0" nodeType="withEffect">
                                   <p:stCondLst>
                                     <p:cond delay="0"/>
                                   </p:stCondLst>
                                   <p:childTnLst>
                                     <p:set>
                                       <p:cBhvr>
-                                        <p:cTn id="30" dur="1" fill="hold">
+                                        <p:cTn id="34" dur="1" fill="hold">
                                           <p:stCondLst>
                                             <p:cond delay="0"/>
                                           </p:stCondLst>
@@ -26088,14 +26741,14 @@
                                 </p:cTn>
                               </p:par>
                               <p:par>
-                                <p:cTn id="31" presetID="1" presetClass="entr" presetSubtype="0" fill="hold" grpId="0" nodeType="withEffect">
+                                <p:cTn id="35" presetID="1" presetClass="entr" presetSubtype="0" fill="hold" grpId="0" nodeType="withEffect">
                                   <p:stCondLst>
                                     <p:cond delay="0"/>
                                   </p:stCondLst>
                                   <p:childTnLst>
                                     <p:set>
                                       <p:cBhvr>
-                                        <p:cTn id="32" dur="1" fill="hold">
+                                        <p:cTn id="36" dur="1" fill="hold">
                                           <p:stCondLst>
                                             <p:cond delay="0"/>
                                           </p:stCondLst>
@@ -26115,14 +26768,14 @@
                                 </p:cTn>
                               </p:par>
                               <p:par>
-                                <p:cTn id="33" presetID="1" presetClass="entr" presetSubtype="0" fill="hold" nodeType="withEffect">
+                                <p:cTn id="37" presetID="1" presetClass="entr" presetSubtype="0" fill="hold" nodeType="withEffect">
                                   <p:stCondLst>
                                     <p:cond delay="0"/>
                                   </p:stCondLst>
                                   <p:childTnLst>
                                     <p:set>
                                       <p:cBhvr>
-                                        <p:cTn id="34" dur="1" fill="hold">
+                                        <p:cTn id="38" dur="1" fill="hold">
                                           <p:stCondLst>
                                             <p:cond delay="0"/>
                                           </p:stCondLst>
@@ -26152,26 +26805,26 @@
                     </p:cTn>
                   </p:par>
                   <p:par>
-                    <p:cTn id="35" fill="hold">
+                    <p:cTn id="39" fill="hold">
                       <p:stCondLst>
                         <p:cond delay="indefinite"/>
                       </p:stCondLst>
                       <p:childTnLst>
                         <p:par>
-                          <p:cTn id="36" fill="hold">
+                          <p:cTn id="40" fill="hold">
                             <p:stCondLst>
                               <p:cond delay="0"/>
                             </p:stCondLst>
                             <p:childTnLst>
                               <p:par>
-                                <p:cTn id="37" presetID="1" presetClass="entr" presetSubtype="0" fill="hold" nodeType="clickEffect">
+                                <p:cTn id="41" presetID="1" presetClass="entr" presetSubtype="0" fill="hold" nodeType="clickEffect">
                                   <p:stCondLst>
                                     <p:cond delay="0"/>
                                   </p:stCondLst>
                                   <p:childTnLst>
                                     <p:set>
                                       <p:cBhvr>
-                                        <p:cTn id="38" dur="1" fill="hold">
+                                        <p:cTn id="42" dur="1" fill="hold">
                                           <p:stCondLst>
                                             <p:cond delay="0"/>
                                           </p:stCondLst>
@@ -26195,14 +26848,14 @@
                                 </p:cTn>
                               </p:par>
                               <p:par>
-                                <p:cTn id="39" presetID="1" presetClass="entr" presetSubtype="0" fill="hold" grpId="0" nodeType="withEffect">
+                                <p:cTn id="43" presetID="1" presetClass="entr" presetSubtype="0" fill="hold" grpId="0" nodeType="withEffect">
                                   <p:stCondLst>
                                     <p:cond delay="0"/>
                                   </p:stCondLst>
                                   <p:childTnLst>
                                     <p:set>
                                       <p:cBhvr>
-                                        <p:cTn id="40" dur="1" fill="hold">
+                                        <p:cTn id="44" dur="1" fill="hold">
                                           <p:stCondLst>
                                             <p:cond delay="0"/>
                                           </p:stCondLst>
@@ -26222,14 +26875,14 @@
                                 </p:cTn>
                               </p:par>
                               <p:par>
-                                <p:cTn id="41" presetID="1" presetClass="entr" presetSubtype="0" fill="hold" grpId="0" nodeType="withEffect">
+                                <p:cTn id="45" presetID="1" presetClass="entr" presetSubtype="0" fill="hold" grpId="0" nodeType="withEffect">
                                   <p:stCondLst>
                                     <p:cond delay="0"/>
                                   </p:stCondLst>
                                   <p:childTnLst>
                                     <p:set>
                                       <p:cBhvr>
-                                        <p:cTn id="42" dur="1" fill="hold">
+                                        <p:cTn id="46" dur="1" fill="hold">
                                           <p:stCondLst>
                                             <p:cond delay="0"/>
                                           </p:stCondLst>
@@ -26255,26 +26908,26 @@
                     </p:cTn>
                   </p:par>
                   <p:par>
-                    <p:cTn id="43" fill="hold">
+                    <p:cTn id="47" fill="hold">
                       <p:stCondLst>
                         <p:cond delay="indefinite"/>
                       </p:stCondLst>
                       <p:childTnLst>
                         <p:par>
-                          <p:cTn id="44" fill="hold">
+                          <p:cTn id="48" fill="hold">
                             <p:stCondLst>
                               <p:cond delay="0"/>
                             </p:stCondLst>
                             <p:childTnLst>
                               <p:par>
-                                <p:cTn id="45" presetID="1" presetClass="entr" presetSubtype="0" fill="hold" nodeType="clickEffect">
+                                <p:cTn id="49" presetID="1" presetClass="entr" presetSubtype="0" fill="hold" nodeType="clickEffect">
                                   <p:stCondLst>
                                     <p:cond delay="0"/>
                                   </p:stCondLst>
                                   <p:childTnLst>
                                     <p:set>
                                       <p:cBhvr>
-                                        <p:cTn id="46" dur="1" fill="hold">
+                                        <p:cTn id="50" dur="1" fill="hold">
                                           <p:stCondLst>
                                             <p:cond delay="0"/>
                                           </p:stCondLst>
@@ -26298,14 +26951,14 @@
                                 </p:cTn>
                               </p:par>
                               <p:par>
-                                <p:cTn id="47" presetID="1" presetClass="entr" presetSubtype="0" fill="hold" nodeType="withEffect">
+                                <p:cTn id="51" presetID="1" presetClass="entr" presetSubtype="0" fill="hold" nodeType="withEffect">
                                   <p:stCondLst>
                                     <p:cond delay="0"/>
                                   </p:stCondLst>
                                   <p:childTnLst>
                                     <p:set>
                                       <p:cBhvr>
-                                        <p:cTn id="48" dur="1" fill="hold">
+                                        <p:cTn id="52" dur="1" fill="hold">
                                           <p:stCondLst>
                                             <p:cond delay="0"/>
                                           </p:stCondLst>
@@ -26329,14 +26982,14 @@
                                 </p:cTn>
                               </p:par>
                               <p:par>
-                                <p:cTn id="49" presetID="1" presetClass="entr" presetSubtype="0" fill="hold" nodeType="withEffect">
+                                <p:cTn id="53" presetID="1" presetClass="entr" presetSubtype="0" fill="hold" nodeType="withEffect">
                                   <p:stCondLst>
                                     <p:cond delay="0"/>
                                   </p:stCondLst>
                                   <p:childTnLst>
                                     <p:set>
                                       <p:cBhvr>
-                                        <p:cTn id="50" dur="1" fill="hold">
+                                        <p:cTn id="54" dur="1" fill="hold">
                                           <p:stCondLst>
                                             <p:cond delay="0"/>
                                           </p:stCondLst>
@@ -31750,6 +32403,109 @@
           <p:cNvPr id="2" name="Title 1">
             <a:extLst>
               <a:ext uri="{FF2B5EF4-FFF2-40B4-BE49-F238E27FC236}">
+                <a16:creationId xmlns:a16="http://schemas.microsoft.com/office/drawing/2014/main" id="{EEB156DA-8CCC-4BD4-AE32-21EE2DD34D8B}"/>
+              </a:ext>
+            </a:extLst>
+          </p:cNvPr>
+          <p:cNvSpPr>
+            <a:spLocks noGrp="1"/>
+          </p:cNvSpPr>
+          <p:nvPr>
+            <p:ph type="title"/>
+          </p:nvPr>
+        </p:nvSpPr>
+        <p:spPr/>
+        <p:txBody>
+          <a:bodyPr/>
+          <a:lstStyle/>
+          <a:p>
+            <a:r>
+              <a:rPr lang="en-US" dirty="0"/>
+              <a:t>Checking adequacy</a:t>
+            </a:r>
+          </a:p>
+        </p:txBody>
+      </p:sp>
+      <p:sp>
+        <p:nvSpPr>
+          <p:cNvPr id="3" name="Content Placeholder 2">
+            <a:extLst>
+              <a:ext uri="{FF2B5EF4-FFF2-40B4-BE49-F238E27FC236}">
+                <a16:creationId xmlns:a16="http://schemas.microsoft.com/office/drawing/2014/main" id="{B2E2C6B8-604B-48FC-86D2-6EAE9C05BE16}"/>
+              </a:ext>
+            </a:extLst>
+          </p:cNvPr>
+          <p:cNvSpPr>
+            <a:spLocks noGrp="1"/>
+          </p:cNvSpPr>
+          <p:nvPr>
+            <p:ph idx="1"/>
+          </p:nvPr>
+        </p:nvSpPr>
+        <p:spPr/>
+        <p:txBody>
+          <a:bodyPr/>
+          <a:lstStyle/>
+          <a:p>
+            <a:r>
+              <a:rPr lang="en-US" b="1" dirty="0"/>
+              <a:t>Posterior predictive check: </a:t>
+            </a:r>
+            <a:r>
+              <a:rPr lang="en-US" dirty="0"/>
+              <a:t>how good does the posterior (our prior after updating it with the likelihood) represent the data?</a:t>
+            </a:r>
+          </a:p>
+          <a:p>
+            <a:r>
+              <a:rPr lang="en-US" b="1" dirty="0"/>
+              <a:t>Check for influential observations:</a:t>
+            </a:r>
+            <a:r>
+              <a:rPr lang="en-US" dirty="0"/>
+              <a:t> Are there any observations that influence the posterior predictions heavily?</a:t>
+            </a:r>
+          </a:p>
+          <a:p>
+            <a:endParaRPr lang="en-US" b="1" dirty="0"/>
+          </a:p>
+        </p:txBody>
+      </p:sp>
+    </p:spTree>
+    <p:extLst>
+      <p:ext uri="{BB962C8B-B14F-4D97-AF65-F5344CB8AC3E}">
+        <p14:creationId xmlns:p14="http://schemas.microsoft.com/office/powerpoint/2010/main" val="1516879231"/>
+      </p:ext>
+    </p:extLst>
+  </p:cSld>
+  <p:clrMapOvr>
+    <a:masterClrMapping/>
+  </p:clrMapOvr>
+</p:sld>
+</file>
+
+<file path=ppt/slides/slide51.xml><?xml version="1.0" encoding="utf-8"?>
+<p:sld xmlns:a="http://schemas.openxmlformats.org/drawingml/2006/main" xmlns:r="http://schemas.openxmlformats.org/officeDocument/2006/relationships" xmlns:p="http://schemas.openxmlformats.org/presentationml/2006/main">
+  <p:cSld>
+    <p:spTree>
+      <p:nvGrpSpPr>
+        <p:cNvPr id="1" name=""/>
+        <p:cNvGrpSpPr/>
+        <p:nvPr/>
+      </p:nvGrpSpPr>
+      <p:grpSpPr>
+        <a:xfrm>
+          <a:off x="0" y="0"/>
+          <a:ext cx="0" cy="0"/>
+          <a:chOff x="0" y="0"/>
+          <a:chExt cx="0" cy="0"/>
+        </a:xfrm>
+      </p:grpSpPr>
+      <p:sp>
+        <p:nvSpPr>
+          <p:cNvPr id="2" name="Title 1">
+            <a:extLst>
+              <a:ext uri="{FF2B5EF4-FFF2-40B4-BE49-F238E27FC236}">
                 <a16:creationId xmlns:a16="http://schemas.microsoft.com/office/drawing/2014/main" id="{E2E78E3E-4CB8-4851-925F-B9E98E7BBFCD}"/>
               </a:ext>
             </a:extLst>
@@ -31793,7 +32549,7 @@
         <p:spPr>
           <a:xfrm>
             <a:off x="229016" y="1080527"/>
-            <a:ext cx="11772484" cy="369332"/>
+            <a:ext cx="2966945" cy="923330"/>
           </a:xfrm>
           <a:prstGeom prst="rect">
             <a:avLst/>
@@ -31816,18 +32572,6 @@
                 <a:latin typeface="Consolas" panose="020B0609020204030204" pitchFamily="49" charset="0"/>
               </a:rPr>
               <a:t>(brm1)						</a:t>
-            </a:r>
-            <a:r>
-              <a:rPr lang="en-US" dirty="0" err="1">
-                <a:latin typeface="Consolas" panose="020B0609020204030204" pitchFamily="49" charset="0"/>
-              </a:rPr>
-              <a:t>pp_check</a:t>
-            </a:r>
-            <a:r>
-              <a:rPr lang="en-US" dirty="0">
-                <a:latin typeface="Consolas" panose="020B0609020204030204" pitchFamily="49" charset="0"/>
-              </a:rPr>
-              <a:t>(brm1, type = “stat”)</a:t>
             </a:r>
           </a:p>
         </p:txBody>
@@ -31932,6 +32676,49 @@
           </a:p>
         </p:txBody>
       </p:sp>
+      <p:sp>
+        <p:nvSpPr>
+          <p:cNvPr id="3" name="Rectangle 2">
+            <a:extLst>
+              <a:ext uri="{FF2B5EF4-FFF2-40B4-BE49-F238E27FC236}">
+                <a16:creationId xmlns:a16="http://schemas.microsoft.com/office/drawing/2014/main" id="{16A41779-0522-461E-9865-8939D04089E2}"/>
+              </a:ext>
+            </a:extLst>
+          </p:cNvPr>
+          <p:cNvSpPr/>
+          <p:nvPr/>
+        </p:nvSpPr>
+        <p:spPr>
+          <a:xfrm>
+            <a:off x="6305758" y="1080527"/>
+            <a:ext cx="3857146" cy="369332"/>
+          </a:xfrm>
+          <a:prstGeom prst="rect">
+            <a:avLst/>
+          </a:prstGeom>
+        </p:spPr>
+        <p:txBody>
+          <a:bodyPr wrap="none">
+            <a:spAutoFit/>
+          </a:bodyPr>
+          <a:lstStyle/>
+          <a:p>
+            <a:r>
+              <a:rPr lang="en-US" dirty="0" err="1">
+                <a:latin typeface="Consolas" panose="020B0609020204030204" pitchFamily="49" charset="0"/>
+              </a:rPr>
+              <a:t>pp_check</a:t>
+            </a:r>
+            <a:r>
+              <a:rPr lang="en-US" dirty="0">
+                <a:latin typeface="Consolas" panose="020B0609020204030204" pitchFamily="49" charset="0"/>
+              </a:rPr>
+              <a:t>(brm1, type = “stat”)</a:t>
+            </a:r>
+            <a:endParaRPr lang="en-US" dirty="0"/>
+          </a:p>
+        </p:txBody>
+      </p:sp>
     </p:spTree>
     <p:extLst>
       <p:ext uri="{BB962C8B-B14F-4D97-AF65-F5344CB8AC3E}">
@@ -31942,10 +32729,161 @@
   <p:clrMapOvr>
     <a:masterClrMapping/>
   </p:clrMapOvr>
+  <p:timing>
+    <p:tnLst>
+      <p:par>
+        <p:cTn id="1" dur="indefinite" restart="never" nodeType="tmRoot">
+          <p:childTnLst>
+            <p:seq concurrent="1" nextAc="seek">
+              <p:cTn id="2" dur="indefinite" nodeType="mainSeq">
+                <p:childTnLst>
+                  <p:par>
+                    <p:cTn id="3" fill="hold">
+                      <p:stCondLst>
+                        <p:cond delay="indefinite"/>
+                      </p:stCondLst>
+                      <p:childTnLst>
+                        <p:par>
+                          <p:cTn id="4" fill="hold">
+                            <p:stCondLst>
+                              <p:cond delay="0"/>
+                            </p:stCondLst>
+                            <p:childTnLst>
+                              <p:par>
+                                <p:cTn id="5" presetID="1" presetClass="entr" presetSubtype="0" fill="hold" grpId="0" nodeType="clickEffect">
+                                  <p:stCondLst>
+                                    <p:cond delay="0"/>
+                                  </p:stCondLst>
+                                  <p:childTnLst>
+                                    <p:set>
+                                      <p:cBhvr>
+                                        <p:cTn id="6" dur="1" fill="hold">
+                                          <p:stCondLst>
+                                            <p:cond delay="0"/>
+                                          </p:stCondLst>
+                                        </p:cTn>
+                                        <p:tgtEl>
+                                          <p:spTgt spid="3"/>
+                                        </p:tgtEl>
+                                        <p:attrNameLst>
+                                          <p:attrName>style.visibility</p:attrName>
+                                        </p:attrNameLst>
+                                      </p:cBhvr>
+                                      <p:to>
+                                        <p:strVal val="visible"/>
+                                      </p:to>
+                                    </p:set>
+                                  </p:childTnLst>
+                                </p:cTn>
+                              </p:par>
+                              <p:par>
+                                <p:cTn id="7" presetID="1" presetClass="entr" presetSubtype="0" fill="hold" nodeType="withEffect">
+                                  <p:stCondLst>
+                                    <p:cond delay="0"/>
+                                  </p:stCondLst>
+                                  <p:childTnLst>
+                                    <p:set>
+                                      <p:cBhvr>
+                                        <p:cTn id="8" dur="1" fill="hold">
+                                          <p:stCondLst>
+                                            <p:cond delay="0"/>
+                                          </p:stCondLst>
+                                        </p:cTn>
+                                        <p:tgtEl>
+                                          <p:spTgt spid="10"/>
+                                        </p:tgtEl>
+                                        <p:attrNameLst>
+                                          <p:attrName>style.visibility</p:attrName>
+                                        </p:attrNameLst>
+                                      </p:cBhvr>
+                                      <p:to>
+                                        <p:strVal val="visible"/>
+                                      </p:to>
+                                    </p:set>
+                                  </p:childTnLst>
+                                </p:cTn>
+                              </p:par>
+                            </p:childTnLst>
+                          </p:cTn>
+                        </p:par>
+                      </p:childTnLst>
+                    </p:cTn>
+                  </p:par>
+                  <p:par>
+                    <p:cTn id="9" fill="hold">
+                      <p:stCondLst>
+                        <p:cond delay="indefinite"/>
+                      </p:stCondLst>
+                      <p:childTnLst>
+                        <p:par>
+                          <p:cTn id="10" fill="hold">
+                            <p:stCondLst>
+                              <p:cond delay="0"/>
+                            </p:stCondLst>
+                            <p:childTnLst>
+                              <p:par>
+                                <p:cTn id="11" presetID="1" presetClass="entr" presetSubtype="0" fill="hold" grpId="0" nodeType="clickEffect">
+                                  <p:stCondLst>
+                                    <p:cond delay="0"/>
+                                  </p:stCondLst>
+                                  <p:childTnLst>
+                                    <p:set>
+                                      <p:cBhvr>
+                                        <p:cTn id="12" dur="1" fill="hold">
+                                          <p:stCondLst>
+                                            <p:cond delay="0"/>
+                                          </p:stCondLst>
+                                        </p:cTn>
+                                        <p:tgtEl>
+                                          <p:spTgt spid="7"/>
+                                        </p:tgtEl>
+                                        <p:attrNameLst>
+                                          <p:attrName>style.visibility</p:attrName>
+                                        </p:attrNameLst>
+                                      </p:cBhvr>
+                                      <p:to>
+                                        <p:strVal val="visible"/>
+                                      </p:to>
+                                    </p:set>
+                                  </p:childTnLst>
+                                </p:cTn>
+                              </p:par>
+                            </p:childTnLst>
+                          </p:cTn>
+                        </p:par>
+                      </p:childTnLst>
+                    </p:cTn>
+                  </p:par>
+                </p:childTnLst>
+              </p:cTn>
+              <p:prevCondLst>
+                <p:cond evt="onPrev" delay="0">
+                  <p:tgtEl>
+                    <p:sldTgt/>
+                  </p:tgtEl>
+                </p:cond>
+              </p:prevCondLst>
+              <p:nextCondLst>
+                <p:cond evt="onNext" delay="0">
+                  <p:tgtEl>
+                    <p:sldTgt/>
+                  </p:tgtEl>
+                </p:cond>
+              </p:nextCondLst>
+            </p:seq>
+          </p:childTnLst>
+        </p:cTn>
+      </p:par>
+    </p:tnLst>
+    <p:bldLst>
+      <p:bldP spid="7" grpId="0"/>
+      <p:bldP spid="3" grpId="0"/>
+    </p:bldLst>
+  </p:timing>
 </p:sld>
 </file>
 
-<file path=ppt/slides/slide51.xml><?xml version="1.0" encoding="utf-8"?>
+<file path=ppt/slides/slide52.xml><?xml version="1.0" encoding="utf-8"?>
 <p:sld xmlns:a="http://schemas.openxmlformats.org/drawingml/2006/main" xmlns:r="http://schemas.openxmlformats.org/officeDocument/2006/relationships" xmlns:p="http://schemas.openxmlformats.org/presentationml/2006/main">
   <p:cSld>
     <p:spTree>
@@ -32106,6 +33044,48 @@
           </a:prstGeom>
         </p:spPr>
       </p:pic>
+      <p:sp>
+        <p:nvSpPr>
+          <p:cNvPr id="6" name="Rectangle 5">
+            <a:extLst>
+              <a:ext uri="{FF2B5EF4-FFF2-40B4-BE49-F238E27FC236}">
+                <a16:creationId xmlns:a16="http://schemas.microsoft.com/office/drawing/2014/main" id="{BBFF87C4-29C2-49E0-B512-0295FF816D3D}"/>
+              </a:ext>
+            </a:extLst>
+          </p:cNvPr>
+          <p:cNvSpPr/>
+          <p:nvPr/>
+        </p:nvSpPr>
+        <p:spPr>
+          <a:xfrm>
+            <a:off x="382109" y="6236846"/>
+            <a:ext cx="11772484" cy="369332"/>
+          </a:xfrm>
+          <a:prstGeom prst="rect">
+            <a:avLst/>
+          </a:prstGeom>
+        </p:spPr>
+        <p:txBody>
+          <a:bodyPr wrap="square">
+            <a:spAutoFit/>
+          </a:bodyPr>
+          <a:lstStyle/>
+          <a:p>
+            <a:r>
+              <a:rPr lang="en-US" dirty="0"/>
+              <a:t>No pareto-k samples above 0.7 and </a:t>
+            </a:r>
+            <a:r>
+              <a:rPr lang="en-US" dirty="0" err="1"/>
+              <a:t>qq</a:t>
+            </a:r>
+            <a:r>
+              <a:rPr lang="en-US" dirty="0"/>
+              <a:t>-plot looks quite ok. </a:t>
+            </a:r>
+          </a:p>
+        </p:txBody>
+      </p:sp>
     </p:spTree>
     <p:extLst>
       <p:ext uri="{BB962C8B-B14F-4D97-AF65-F5344CB8AC3E}">
@@ -32119,7 +33099,7 @@
 </p:sld>
 </file>
 
-<file path=ppt/slides/slide52.xml><?xml version="1.0" encoding="utf-8"?>
+<file path=ppt/slides/slide53.xml><?xml version="1.0" encoding="utf-8"?>
 <p:sld xmlns:a="http://schemas.openxmlformats.org/drawingml/2006/main" xmlns:r="http://schemas.openxmlformats.org/officeDocument/2006/relationships" xmlns:p="http://schemas.openxmlformats.org/presentationml/2006/main">
   <p:cSld>
     <p:spTree>
@@ -32181,135 +33161,6 @@
     <p:extLst>
       <p:ext uri="{BB962C8B-B14F-4D97-AF65-F5344CB8AC3E}">
         <p14:creationId xmlns:p14="http://schemas.microsoft.com/office/powerpoint/2010/main" val="1213699432"/>
-      </p:ext>
-    </p:extLst>
-  </p:cSld>
-  <p:clrMapOvr>
-    <a:masterClrMapping/>
-  </p:clrMapOvr>
-</p:sld>
-</file>
-
-<file path=ppt/slides/slide53.xml><?xml version="1.0" encoding="utf-8"?>
-<p:sld xmlns:a="http://schemas.openxmlformats.org/drawingml/2006/main" xmlns:r="http://schemas.openxmlformats.org/officeDocument/2006/relationships" xmlns:p="http://schemas.openxmlformats.org/presentationml/2006/main">
-  <p:cSld>
-    <p:spTree>
-      <p:nvGrpSpPr>
-        <p:cNvPr id="1" name=""/>
-        <p:cNvGrpSpPr/>
-        <p:nvPr/>
-      </p:nvGrpSpPr>
-      <p:grpSpPr>
-        <a:xfrm>
-          <a:off x="0" y="0"/>
-          <a:ext cx="0" cy="0"/>
-          <a:chOff x="0" y="0"/>
-          <a:chExt cx="0" cy="0"/>
-        </a:xfrm>
-      </p:grpSpPr>
-      <p:sp>
-        <p:nvSpPr>
-          <p:cNvPr id="2" name="Title 1">
-            <a:extLst>
-              <a:ext uri="{FF2B5EF4-FFF2-40B4-BE49-F238E27FC236}">
-                <a16:creationId xmlns:a16="http://schemas.microsoft.com/office/drawing/2014/main" id="{E2E78E3E-4CB8-4851-925F-B9E98E7BBFCD}"/>
-              </a:ext>
-            </a:extLst>
-          </p:cNvPr>
-          <p:cNvSpPr>
-            <a:spLocks noGrp="1"/>
-          </p:cNvSpPr>
-          <p:nvPr>
-            <p:ph type="title"/>
-          </p:nvPr>
-        </p:nvSpPr>
-        <p:spPr>
-          <a:xfrm>
-            <a:off x="0" y="0"/>
-            <a:ext cx="10515600" cy="1325563"/>
-          </a:xfrm>
-        </p:spPr>
-        <p:txBody>
-          <a:bodyPr/>
-          <a:lstStyle/>
-          <a:p>
-            <a:r>
-              <a:rPr lang="en-US" dirty="0"/>
-              <a:t>Evaluation: Estimates</a:t>
-            </a:r>
-          </a:p>
-        </p:txBody>
-      </p:sp>
-      <p:sp>
-        <p:nvSpPr>
-          <p:cNvPr id="6" name="Rectangle 5">
-            <a:extLst>
-              <a:ext uri="{FF2B5EF4-FFF2-40B4-BE49-F238E27FC236}">
-                <a16:creationId xmlns:a16="http://schemas.microsoft.com/office/drawing/2014/main" id="{ECE3493A-2C8C-47CD-BF77-3DFFFA647391}"/>
-              </a:ext>
-            </a:extLst>
-          </p:cNvPr>
-          <p:cNvSpPr/>
-          <p:nvPr/>
-        </p:nvSpPr>
-        <p:spPr>
-          <a:xfrm>
-            <a:off x="229016" y="1080527"/>
-            <a:ext cx="11772484" cy="369332"/>
-          </a:xfrm>
-          <a:prstGeom prst="rect">
-            <a:avLst/>
-          </a:prstGeom>
-        </p:spPr>
-        <p:txBody>
-          <a:bodyPr wrap="square">
-            <a:spAutoFit/>
-          </a:bodyPr>
-          <a:lstStyle/>
-          <a:p>
-            <a:r>
-              <a:rPr lang="en-US" dirty="0">
-                <a:latin typeface="Consolas" panose="020B0609020204030204" pitchFamily="49" charset="0"/>
-              </a:rPr>
-              <a:t>Summary(brm1) #1 of 2</a:t>
-            </a:r>
-          </a:p>
-        </p:txBody>
-      </p:sp>
-      <p:pic>
-        <p:nvPicPr>
-          <p:cNvPr id="5" name="Picture 4">
-            <a:extLst>
-              <a:ext uri="{FF2B5EF4-FFF2-40B4-BE49-F238E27FC236}">
-                <a16:creationId xmlns:a16="http://schemas.microsoft.com/office/drawing/2014/main" id="{02CAE567-2092-4095-A2C5-8B5E8B3ADCBD}"/>
-              </a:ext>
-            </a:extLst>
-          </p:cNvPr>
-          <p:cNvPicPr>
-            <a:picLocks noChangeAspect="1"/>
-          </p:cNvPicPr>
-          <p:nvPr/>
-        </p:nvPicPr>
-        <p:blipFill>
-          <a:blip r:embed="rId2"/>
-          <a:stretch>
-            <a:fillRect/>
-          </a:stretch>
-        </p:blipFill>
-        <p:spPr>
-          <a:xfrm>
-            <a:off x="804862" y="1449859"/>
-            <a:ext cx="10353675" cy="5314950"/>
-          </a:xfrm>
-          <a:prstGeom prst="rect">
-            <a:avLst/>
-          </a:prstGeom>
-        </p:spPr>
-      </p:pic>
-    </p:spTree>
-    <p:extLst>
-      <p:ext uri="{BB962C8B-B14F-4D97-AF65-F5344CB8AC3E}">
-        <p14:creationId xmlns:p14="http://schemas.microsoft.com/office/powerpoint/2010/main" val="2333691976"/>
       </p:ext>
     </p:extLst>
   </p:cSld>
@@ -32400,6 +33251,135 @@
               <a:rPr lang="en-US" dirty="0">
                 <a:latin typeface="Consolas" panose="020B0609020204030204" pitchFamily="49" charset="0"/>
               </a:rPr>
+              <a:t>Summary(brm1) #1 of 2</a:t>
+            </a:r>
+          </a:p>
+        </p:txBody>
+      </p:sp>
+      <p:pic>
+        <p:nvPicPr>
+          <p:cNvPr id="5" name="Picture 4">
+            <a:extLst>
+              <a:ext uri="{FF2B5EF4-FFF2-40B4-BE49-F238E27FC236}">
+                <a16:creationId xmlns:a16="http://schemas.microsoft.com/office/drawing/2014/main" id="{02CAE567-2092-4095-A2C5-8B5E8B3ADCBD}"/>
+              </a:ext>
+            </a:extLst>
+          </p:cNvPr>
+          <p:cNvPicPr>
+            <a:picLocks noChangeAspect="1"/>
+          </p:cNvPicPr>
+          <p:nvPr/>
+        </p:nvPicPr>
+        <p:blipFill>
+          <a:blip r:embed="rId2"/>
+          <a:stretch>
+            <a:fillRect/>
+          </a:stretch>
+        </p:blipFill>
+        <p:spPr>
+          <a:xfrm>
+            <a:off x="804862" y="1449859"/>
+            <a:ext cx="10353675" cy="5314950"/>
+          </a:xfrm>
+          <a:prstGeom prst="rect">
+            <a:avLst/>
+          </a:prstGeom>
+        </p:spPr>
+      </p:pic>
+    </p:spTree>
+    <p:extLst>
+      <p:ext uri="{BB962C8B-B14F-4D97-AF65-F5344CB8AC3E}">
+        <p14:creationId xmlns:p14="http://schemas.microsoft.com/office/powerpoint/2010/main" val="2333691976"/>
+      </p:ext>
+    </p:extLst>
+  </p:cSld>
+  <p:clrMapOvr>
+    <a:masterClrMapping/>
+  </p:clrMapOvr>
+</p:sld>
+</file>
+
+<file path=ppt/slides/slide55.xml><?xml version="1.0" encoding="utf-8"?>
+<p:sld xmlns:a="http://schemas.openxmlformats.org/drawingml/2006/main" xmlns:r="http://schemas.openxmlformats.org/officeDocument/2006/relationships" xmlns:p="http://schemas.openxmlformats.org/presentationml/2006/main">
+  <p:cSld>
+    <p:spTree>
+      <p:nvGrpSpPr>
+        <p:cNvPr id="1" name=""/>
+        <p:cNvGrpSpPr/>
+        <p:nvPr/>
+      </p:nvGrpSpPr>
+      <p:grpSpPr>
+        <a:xfrm>
+          <a:off x="0" y="0"/>
+          <a:ext cx="0" cy="0"/>
+          <a:chOff x="0" y="0"/>
+          <a:chExt cx="0" cy="0"/>
+        </a:xfrm>
+      </p:grpSpPr>
+      <p:sp>
+        <p:nvSpPr>
+          <p:cNvPr id="2" name="Title 1">
+            <a:extLst>
+              <a:ext uri="{FF2B5EF4-FFF2-40B4-BE49-F238E27FC236}">
+                <a16:creationId xmlns:a16="http://schemas.microsoft.com/office/drawing/2014/main" id="{E2E78E3E-4CB8-4851-925F-B9E98E7BBFCD}"/>
+              </a:ext>
+            </a:extLst>
+          </p:cNvPr>
+          <p:cNvSpPr>
+            <a:spLocks noGrp="1"/>
+          </p:cNvSpPr>
+          <p:nvPr>
+            <p:ph type="title"/>
+          </p:nvPr>
+        </p:nvSpPr>
+        <p:spPr>
+          <a:xfrm>
+            <a:off x="0" y="0"/>
+            <a:ext cx="10515600" cy="1325563"/>
+          </a:xfrm>
+        </p:spPr>
+        <p:txBody>
+          <a:bodyPr/>
+          <a:lstStyle/>
+          <a:p>
+            <a:r>
+              <a:rPr lang="en-US" dirty="0"/>
+              <a:t>Evaluation: Estimates</a:t>
+            </a:r>
+          </a:p>
+        </p:txBody>
+      </p:sp>
+      <p:sp>
+        <p:nvSpPr>
+          <p:cNvPr id="6" name="Rectangle 5">
+            <a:extLst>
+              <a:ext uri="{FF2B5EF4-FFF2-40B4-BE49-F238E27FC236}">
+                <a16:creationId xmlns:a16="http://schemas.microsoft.com/office/drawing/2014/main" id="{ECE3493A-2C8C-47CD-BF77-3DFFFA647391}"/>
+              </a:ext>
+            </a:extLst>
+          </p:cNvPr>
+          <p:cNvSpPr/>
+          <p:nvPr/>
+        </p:nvSpPr>
+        <p:spPr>
+          <a:xfrm>
+            <a:off x="229016" y="1080527"/>
+            <a:ext cx="11772484" cy="369332"/>
+          </a:xfrm>
+          <a:prstGeom prst="rect">
+            <a:avLst/>
+          </a:prstGeom>
+        </p:spPr>
+        <p:txBody>
+          <a:bodyPr wrap="square">
+            <a:spAutoFit/>
+          </a:bodyPr>
+          <a:lstStyle/>
+          <a:p>
+            <a:r>
+              <a:rPr lang="en-US" dirty="0">
+                <a:latin typeface="Consolas" panose="020B0609020204030204" pitchFamily="49" charset="0"/>
+              </a:rPr>
               <a:t>Summary(brm1) #2 of 2</a:t>
             </a:r>
           </a:p>
@@ -32448,7 +33428,7 @@
 </p:sld>
 </file>
 
-<file path=ppt/slides/slide55.xml><?xml version="1.0" encoding="utf-8"?>
+<file path=ppt/slides/slide56.xml><?xml version="1.0" encoding="utf-8"?>
 <p:sld xmlns:a="http://schemas.openxmlformats.org/drawingml/2006/main" xmlns:r="http://schemas.openxmlformats.org/officeDocument/2006/relationships" xmlns:p="http://schemas.openxmlformats.org/presentationml/2006/main">
   <p:cSld>
     <p:spTree>
@@ -32639,7 +33619,7 @@
 </p:sld>
 </file>
 
-<file path=ppt/slides/slide56.xml><?xml version="1.0" encoding="utf-8"?>
+<file path=ppt/slides/slide57.xml><?xml version="1.0" encoding="utf-8"?>
 <p:sld xmlns:a="http://schemas.openxmlformats.org/drawingml/2006/main" xmlns:r="http://schemas.openxmlformats.org/officeDocument/2006/relationships" xmlns:p="http://schemas.openxmlformats.org/presentationml/2006/main">
   <p:cSld>
     <p:spTree>
@@ -32783,7 +33763,7 @@
           <a:p>
             <a:r>
               <a:rPr lang="en-US" dirty="0"/>
-              <a:t>Almost identical again…</a:t>
+              <a:t>Almost identical again… except for the correlations.</a:t>
             </a:r>
           </a:p>
         </p:txBody>
@@ -33281,7 +34261,354 @@
 </p:sld>
 </file>
 
-<file path=ppt/slides/slide57.xml><?xml version="1.0" encoding="utf-8"?>
+<file path=ppt/slides/slide58.xml><?xml version="1.0" encoding="utf-8"?>
+<p:sld xmlns:a="http://schemas.openxmlformats.org/drawingml/2006/main" xmlns:r="http://schemas.openxmlformats.org/officeDocument/2006/relationships" xmlns:p="http://schemas.openxmlformats.org/presentationml/2006/main">
+  <p:cSld>
+    <p:spTree>
+      <p:nvGrpSpPr>
+        <p:cNvPr id="1" name=""/>
+        <p:cNvGrpSpPr/>
+        <p:nvPr/>
+      </p:nvGrpSpPr>
+      <p:grpSpPr>
+        <a:xfrm>
+          <a:off x="0" y="0"/>
+          <a:ext cx="0" cy="0"/>
+          <a:chOff x="0" y="0"/>
+          <a:chExt cx="0" cy="0"/>
+        </a:xfrm>
+      </p:grpSpPr>
+      <p:sp>
+        <p:nvSpPr>
+          <p:cNvPr id="2" name="Title 1">
+            <a:extLst>
+              <a:ext uri="{FF2B5EF4-FFF2-40B4-BE49-F238E27FC236}">
+                <a16:creationId xmlns:a16="http://schemas.microsoft.com/office/drawing/2014/main" id="{E2E78E3E-4CB8-4851-925F-B9E98E7BBFCD}"/>
+              </a:ext>
+            </a:extLst>
+          </p:cNvPr>
+          <p:cNvSpPr>
+            <a:spLocks noGrp="1"/>
+          </p:cNvSpPr>
+          <p:nvPr>
+            <p:ph type="title"/>
+          </p:nvPr>
+        </p:nvSpPr>
+        <p:spPr>
+          <a:xfrm>
+            <a:off x="-1" y="0"/>
+            <a:ext cx="11904955" cy="1325563"/>
+          </a:xfrm>
+        </p:spPr>
+        <p:txBody>
+          <a:bodyPr/>
+          <a:lstStyle/>
+          <a:p>
+            <a:r>
+              <a:rPr lang="en-US" dirty="0"/>
+              <a:t>Correlations: an example of prior in – prior out</a:t>
+            </a:r>
+          </a:p>
+        </p:txBody>
+      </p:sp>
+      <p:pic>
+        <p:nvPicPr>
+          <p:cNvPr id="4" name="Picture 3">
+            <a:extLst>
+              <a:ext uri="{FF2B5EF4-FFF2-40B4-BE49-F238E27FC236}">
+                <a16:creationId xmlns:a16="http://schemas.microsoft.com/office/drawing/2014/main" id="{3416A9AE-6530-49CB-B8CD-E5C6932F5FBF}"/>
+              </a:ext>
+            </a:extLst>
+          </p:cNvPr>
+          <p:cNvPicPr>
+            <a:picLocks noChangeAspect="1"/>
+          </p:cNvPicPr>
+          <p:nvPr/>
+        </p:nvPicPr>
+        <p:blipFill>
+          <a:blip r:embed="rId2"/>
+          <a:stretch>
+            <a:fillRect/>
+          </a:stretch>
+        </p:blipFill>
+        <p:spPr>
+          <a:xfrm>
+            <a:off x="198843" y="1900483"/>
+            <a:ext cx="7058025" cy="904875"/>
+          </a:xfrm>
+          <a:prstGeom prst="rect">
+            <a:avLst/>
+          </a:prstGeom>
+        </p:spPr>
+      </p:pic>
+      <p:sp>
+        <p:nvSpPr>
+          <p:cNvPr id="22" name="Title 1">
+            <a:extLst>
+              <a:ext uri="{FF2B5EF4-FFF2-40B4-BE49-F238E27FC236}">
+                <a16:creationId xmlns:a16="http://schemas.microsoft.com/office/drawing/2014/main" id="{98EB50BF-6DD9-4916-91E2-7CEA00033551}"/>
+              </a:ext>
+            </a:extLst>
+          </p:cNvPr>
+          <p:cNvSpPr txBox="1">
+            <a:spLocks/>
+          </p:cNvSpPr>
+          <p:nvPr/>
+        </p:nvSpPr>
+        <p:spPr>
+          <a:xfrm>
+            <a:off x="-857436" y="1180730"/>
+            <a:ext cx="11217676" cy="612290"/>
+          </a:xfrm>
+          <a:prstGeom prst="rect">
+            <a:avLst/>
+          </a:prstGeom>
+        </p:spPr>
+        <p:txBody>
+          <a:bodyPr vert="horz" lIns="91440" tIns="45720" rIns="91440" bIns="45720" rtlCol="0" anchor="ctr">
+            <a:normAutofit/>
+          </a:bodyPr>
+          <a:lstStyle>
+            <a:lvl1pPr algn="l" defTabSz="914400" rtl="0" eaLnBrk="1" latinLnBrk="0" hangingPunct="1">
+              <a:lnSpc>
+                <a:spcPct val="90000"/>
+              </a:lnSpc>
+              <a:spcBef>
+                <a:spcPct val="0"/>
+              </a:spcBef>
+              <a:buNone/>
+              <a:defRPr sz="4400" kern="1200">
+                <a:solidFill>
+                  <a:schemeClr val="tx1"/>
+                </a:solidFill>
+                <a:latin typeface="+mj-lt"/>
+                <a:ea typeface="+mj-ea"/>
+                <a:cs typeface="+mj-cs"/>
+              </a:defRPr>
+            </a:lvl1pPr>
+          </a:lstStyle>
+          <a:p>
+            <a:pPr algn="ctr"/>
+            <a:r>
+              <a:rPr lang="de-DE" sz="3600" dirty="0" err="1">
+                <a:latin typeface="+mn-lt"/>
+              </a:rPr>
+              <a:t>Remember</a:t>
+            </a:r>
+            <a:r>
+              <a:rPr lang="de-DE" sz="3600" dirty="0">
+                <a:latin typeface="+mn-lt"/>
+              </a:rPr>
+              <a:t> that </a:t>
+            </a:r>
+            <a:r>
+              <a:rPr lang="de-DE" sz="3600" dirty="0" err="1">
+                <a:latin typeface="Consolas" panose="020B0609020204030204" pitchFamily="49" charset="0"/>
+              </a:rPr>
+              <a:t>lkj</a:t>
+            </a:r>
+            <a:r>
+              <a:rPr lang="de-DE" sz="3600" dirty="0">
+                <a:latin typeface="Consolas" panose="020B0609020204030204" pitchFamily="49" charset="0"/>
+              </a:rPr>
+              <a:t>(1)</a:t>
+            </a:r>
+            <a:r>
+              <a:rPr lang="de-DE" sz="3600" dirty="0" err="1">
+                <a:latin typeface="+mn-lt"/>
+              </a:rPr>
+              <a:t>prior</a:t>
+            </a:r>
+            <a:r>
+              <a:rPr lang="de-DE" sz="3600" dirty="0">
+                <a:latin typeface="+mn-lt"/>
+              </a:rPr>
+              <a:t> for </a:t>
+            </a:r>
+            <a:r>
+              <a:rPr lang="de-DE" sz="3600" dirty="0" err="1">
+                <a:latin typeface="+mn-lt"/>
+              </a:rPr>
+              <a:t>the</a:t>
+            </a:r>
+            <a:r>
+              <a:rPr lang="de-DE" sz="3600" dirty="0">
+                <a:latin typeface="+mn-lt"/>
+              </a:rPr>
+              <a:t> </a:t>
+            </a:r>
+            <a:r>
+              <a:rPr lang="de-DE" sz="3600" dirty="0" err="1">
+                <a:latin typeface="+mn-lt"/>
+              </a:rPr>
+              <a:t>correlations</a:t>
+            </a:r>
+            <a:r>
+              <a:rPr lang="de-DE" sz="3600" dirty="0"/>
+              <a:t>?</a:t>
+            </a:r>
+            <a:endParaRPr lang="en-US" sz="3600" dirty="0"/>
+          </a:p>
+        </p:txBody>
+      </p:sp>
+      <p:pic>
+        <p:nvPicPr>
+          <p:cNvPr id="1026" name="Picture 2">
+            <a:extLst>
+              <a:ext uri="{FF2B5EF4-FFF2-40B4-BE49-F238E27FC236}">
+                <a16:creationId xmlns:a16="http://schemas.microsoft.com/office/drawing/2014/main" id="{E70E01EF-1BE4-41A5-9D67-E50D2A95D95E}"/>
+              </a:ext>
+            </a:extLst>
+          </p:cNvPr>
+          <p:cNvPicPr>
+            <a:picLocks noChangeAspect="1" noChangeArrowheads="1"/>
+          </p:cNvPicPr>
+          <p:nvPr/>
+        </p:nvPicPr>
+        <p:blipFill>
+          <a:blip r:embed="rId3">
+            <a:extLst>
+              <a:ext uri="{28A0092B-C50C-407E-A947-70E740481C1C}">
+                <a14:useLocalDpi xmlns:a14="http://schemas.microsoft.com/office/drawing/2010/main" val="0"/>
+              </a:ext>
+            </a:extLst>
+          </a:blip>
+          <a:srcRect/>
+          <a:stretch>
+            <a:fillRect/>
+          </a:stretch>
+        </p:blipFill>
+        <p:spPr bwMode="auto">
+          <a:xfrm>
+            <a:off x="399825" y="2973750"/>
+            <a:ext cx="5366273" cy="3833052"/>
+          </a:xfrm>
+          <a:prstGeom prst="rect">
+            <a:avLst/>
+          </a:prstGeom>
+          <a:noFill/>
+          <a:extLst>
+            <a:ext uri="{909E8E84-426E-40DD-AFC4-6F175D3DCCD1}">
+              <a14:hiddenFill xmlns:a14="http://schemas.microsoft.com/office/drawing/2010/main">
+                <a:solidFill>
+                  <a:srgbClr val="FFFFFF"/>
+                </a:solidFill>
+              </a14:hiddenFill>
+            </a:ext>
+          </a:extLst>
+        </p:spPr>
+      </p:pic>
+      <p:sp>
+        <p:nvSpPr>
+          <p:cNvPr id="23" name="Title 1">
+            <a:extLst>
+              <a:ext uri="{FF2B5EF4-FFF2-40B4-BE49-F238E27FC236}">
+                <a16:creationId xmlns:a16="http://schemas.microsoft.com/office/drawing/2014/main" id="{2EB4DEF7-57EA-4A44-9945-124BD1EBE970}"/>
+              </a:ext>
+            </a:extLst>
+          </p:cNvPr>
+          <p:cNvSpPr txBox="1">
+            <a:spLocks/>
+          </p:cNvSpPr>
+          <p:nvPr/>
+        </p:nvSpPr>
+        <p:spPr>
+          <a:xfrm>
+            <a:off x="6047121" y="2912821"/>
+            <a:ext cx="6144879" cy="3932793"/>
+          </a:xfrm>
+          <a:prstGeom prst="rect">
+            <a:avLst/>
+          </a:prstGeom>
+        </p:spPr>
+        <p:txBody>
+          <a:bodyPr vert="horz" lIns="91440" tIns="45720" rIns="91440" bIns="45720" rtlCol="0" anchor="ctr">
+            <a:normAutofit/>
+          </a:bodyPr>
+          <a:lstStyle>
+            <a:lvl1pPr algn="l" defTabSz="914400" rtl="0" eaLnBrk="1" latinLnBrk="0" hangingPunct="1">
+              <a:lnSpc>
+                <a:spcPct val="90000"/>
+              </a:lnSpc>
+              <a:spcBef>
+                <a:spcPct val="0"/>
+              </a:spcBef>
+              <a:buNone/>
+              <a:defRPr sz="4400" kern="1200">
+                <a:solidFill>
+                  <a:schemeClr val="tx1"/>
+                </a:solidFill>
+                <a:latin typeface="+mj-lt"/>
+                <a:ea typeface="+mj-ea"/>
+                <a:cs typeface="+mj-cs"/>
+              </a:defRPr>
+            </a:lvl1pPr>
+          </a:lstStyle>
+          <a:p>
+            <a:endParaRPr lang="en-US" sz="2800" dirty="0">
+              <a:latin typeface="+mn-lt"/>
+            </a:endParaRPr>
+          </a:p>
+          <a:p>
+            <a:r>
+              <a:rPr lang="en-US" sz="2800" dirty="0">
+                <a:latin typeface="+mn-lt"/>
+              </a:rPr>
+              <a:t>This is what it looks like. And this is also what we get in the model summary:</a:t>
+            </a:r>
+          </a:p>
+          <a:p>
+            <a:endParaRPr lang="en-US" sz="2800" dirty="0">
+              <a:latin typeface="+mn-lt"/>
+            </a:endParaRPr>
+          </a:p>
+          <a:p>
+            <a:r>
+              <a:rPr lang="en-US" sz="2800" dirty="0">
+                <a:latin typeface="+mn-lt"/>
+              </a:rPr>
+              <a:t>We just do not have enough data to estimate a reliable correlation so we just get back our prior</a:t>
+            </a:r>
+          </a:p>
+          <a:p>
+            <a:endParaRPr lang="en-US" sz="2800" dirty="0">
+              <a:latin typeface="+mn-lt"/>
+            </a:endParaRPr>
+          </a:p>
+          <a:p>
+            <a:r>
+              <a:rPr lang="en-US" sz="2800" dirty="0">
+                <a:latin typeface="+mn-lt"/>
+              </a:rPr>
+              <a:t>This is also why our lme4 fit is singular.</a:t>
+            </a:r>
+          </a:p>
+          <a:p>
+            <a:endParaRPr lang="de-DE" sz="3600" dirty="0">
+              <a:latin typeface="+mn-lt"/>
+            </a:endParaRPr>
+          </a:p>
+          <a:p>
+            <a:endParaRPr lang="en-US" sz="3600" dirty="0">
+              <a:latin typeface="+mn-lt"/>
+            </a:endParaRPr>
+          </a:p>
+        </p:txBody>
+      </p:sp>
+    </p:spTree>
+    <p:extLst>
+      <p:ext uri="{BB962C8B-B14F-4D97-AF65-F5344CB8AC3E}">
+        <p14:creationId xmlns:p14="http://schemas.microsoft.com/office/powerpoint/2010/main" val="3974606930"/>
+      </p:ext>
+    </p:extLst>
+  </p:cSld>
+  <p:clrMapOvr>
+    <a:masterClrMapping/>
+  </p:clrMapOvr>
+</p:sld>
+</file>
+
+<file path=ppt/slides/slide59.xml><?xml version="1.0" encoding="utf-8"?>
 <p:sld xmlns:a="http://schemas.openxmlformats.org/drawingml/2006/main" xmlns:r="http://schemas.openxmlformats.org/officeDocument/2006/relationships" xmlns:p="http://schemas.openxmlformats.org/presentationml/2006/main">
   <p:cSld>
     <p:spTree>
@@ -33449,452 +34776,6 @@
     <p:extLst>
       <p:ext uri="{BB962C8B-B14F-4D97-AF65-F5344CB8AC3E}">
         <p14:creationId xmlns:p14="http://schemas.microsoft.com/office/powerpoint/2010/main" val="3762445996"/>
-      </p:ext>
-    </p:extLst>
-  </p:cSld>
-  <p:clrMapOvr>
-    <a:masterClrMapping/>
-  </p:clrMapOvr>
-</p:sld>
-</file>
-
-<file path=ppt/slides/slide58.xml><?xml version="1.0" encoding="utf-8"?>
-<p:sld xmlns:a="http://schemas.openxmlformats.org/drawingml/2006/main" xmlns:r="http://schemas.openxmlformats.org/officeDocument/2006/relationships" xmlns:p="http://schemas.openxmlformats.org/presentationml/2006/main">
-  <p:cSld>
-    <p:spTree>
-      <p:nvGrpSpPr>
-        <p:cNvPr id="1" name=""/>
-        <p:cNvGrpSpPr/>
-        <p:nvPr/>
-      </p:nvGrpSpPr>
-      <p:grpSpPr>
-        <a:xfrm>
-          <a:off x="0" y="0"/>
-          <a:ext cx="0" cy="0"/>
-          <a:chOff x="0" y="0"/>
-          <a:chExt cx="0" cy="0"/>
-        </a:xfrm>
-      </p:grpSpPr>
-      <p:sp>
-        <p:nvSpPr>
-          <p:cNvPr id="2" name="Title 1">
-            <a:extLst>
-              <a:ext uri="{FF2B5EF4-FFF2-40B4-BE49-F238E27FC236}">
-                <a16:creationId xmlns:a16="http://schemas.microsoft.com/office/drawing/2014/main" id="{DF61E904-B2DF-43E8-826E-8DFDF1797C5C}"/>
-              </a:ext>
-            </a:extLst>
-          </p:cNvPr>
-          <p:cNvSpPr>
-            <a:spLocks noGrp="1"/>
-          </p:cNvSpPr>
-          <p:nvPr>
-            <p:ph type="title"/>
-          </p:nvPr>
-        </p:nvSpPr>
-        <p:spPr>
-          <a:xfrm>
-            <a:off x="838200" y="2584450"/>
-            <a:ext cx="10515600" cy="1325563"/>
-          </a:xfrm>
-        </p:spPr>
-        <p:txBody>
-          <a:bodyPr>
-            <a:normAutofit/>
-          </a:bodyPr>
-          <a:lstStyle/>
-          <a:p>
-            <a:pPr algn="ctr"/>
-            <a:r>
-              <a:rPr lang="de-DE" sz="7200" dirty="0"/>
-              <a:t>Evaluation 3 - </a:t>
-            </a:r>
-            <a:r>
-              <a:rPr lang="de-DE" sz="7200" dirty="0" err="1"/>
-              <a:t>Testing</a:t>
-            </a:r>
-            <a:endParaRPr lang="en-US" sz="7200" dirty="0"/>
-          </a:p>
-        </p:txBody>
-      </p:sp>
-    </p:spTree>
-    <p:extLst>
-      <p:ext uri="{BB962C8B-B14F-4D97-AF65-F5344CB8AC3E}">
-        <p14:creationId xmlns:p14="http://schemas.microsoft.com/office/powerpoint/2010/main" val="882869997"/>
-      </p:ext>
-    </p:extLst>
-  </p:cSld>
-  <p:clrMapOvr>
-    <a:masterClrMapping/>
-  </p:clrMapOvr>
-</p:sld>
-</file>
-
-<file path=ppt/slides/slide59.xml><?xml version="1.0" encoding="utf-8"?>
-<p:sld xmlns:a="http://schemas.openxmlformats.org/drawingml/2006/main" xmlns:r="http://schemas.openxmlformats.org/officeDocument/2006/relationships" xmlns:p="http://schemas.openxmlformats.org/presentationml/2006/main">
-  <p:cSld>
-    <p:spTree>
-      <p:nvGrpSpPr>
-        <p:cNvPr id="1" name=""/>
-        <p:cNvGrpSpPr/>
-        <p:nvPr/>
-      </p:nvGrpSpPr>
-      <p:grpSpPr>
-        <a:xfrm>
-          <a:off x="0" y="0"/>
-          <a:ext cx="0" cy="0"/>
-          <a:chOff x="0" y="0"/>
-          <a:chExt cx="0" cy="0"/>
-        </a:xfrm>
-      </p:grpSpPr>
-      <p:sp>
-        <p:nvSpPr>
-          <p:cNvPr id="2" name="Title 1">
-            <a:extLst>
-              <a:ext uri="{FF2B5EF4-FFF2-40B4-BE49-F238E27FC236}">
-                <a16:creationId xmlns:a16="http://schemas.microsoft.com/office/drawing/2014/main" id="{E2E78E3E-4CB8-4851-925F-B9E98E7BBFCD}"/>
-              </a:ext>
-            </a:extLst>
-          </p:cNvPr>
-          <p:cNvSpPr>
-            <a:spLocks noGrp="1"/>
-          </p:cNvSpPr>
-          <p:nvPr>
-            <p:ph type="title"/>
-          </p:nvPr>
-        </p:nvSpPr>
-        <p:spPr>
-          <a:xfrm>
-            <a:off x="0" y="0"/>
-            <a:ext cx="10515600" cy="1325563"/>
-          </a:xfrm>
-        </p:spPr>
-        <p:txBody>
-          <a:bodyPr/>
-          <a:lstStyle/>
-          <a:p>
-            <a:r>
-              <a:rPr lang="en-US" dirty="0"/>
-              <a:t>Evaluation: Is there an effect of condition?</a:t>
-            </a:r>
-          </a:p>
-        </p:txBody>
-      </p:sp>
-      <p:sp>
-        <p:nvSpPr>
-          <p:cNvPr id="7" name="Rectangle 6">
-            <a:extLst>
-              <a:ext uri="{FF2B5EF4-FFF2-40B4-BE49-F238E27FC236}">
-                <a16:creationId xmlns:a16="http://schemas.microsoft.com/office/drawing/2014/main" id="{B47F9C01-760B-4A23-9A07-EFBB983C8FA9}"/>
-              </a:ext>
-            </a:extLst>
-          </p:cNvPr>
-          <p:cNvSpPr/>
-          <p:nvPr/>
-        </p:nvSpPr>
-        <p:spPr>
-          <a:xfrm>
-            <a:off x="276641" y="1325563"/>
-            <a:ext cx="11772484" cy="5355312"/>
-          </a:xfrm>
-          <a:prstGeom prst="rect">
-            <a:avLst/>
-          </a:prstGeom>
-        </p:spPr>
-        <p:txBody>
-          <a:bodyPr wrap="square">
-            <a:spAutoFit/>
-          </a:bodyPr>
-          <a:lstStyle/>
-          <a:p>
-            <a:r>
-              <a:rPr lang="en-US" dirty="0"/>
-              <a:t>What are our options here? We do not get p-values (they don’t exist/make sense in the Bayesian framework)</a:t>
-            </a:r>
-          </a:p>
-          <a:p>
-            <a:endParaRPr lang="en-US" dirty="0"/>
-          </a:p>
-          <a:p>
-            <a:pPr marL="285750" indent="-285750">
-              <a:buFontTx/>
-              <a:buChar char="-"/>
-            </a:pPr>
-            <a:r>
-              <a:rPr lang="en-US" dirty="0"/>
-              <a:t>We can get </a:t>
-            </a:r>
-            <a:r>
-              <a:rPr lang="en-US" i="1" dirty="0"/>
-              <a:t>posterior probabilities </a:t>
-            </a:r>
-            <a:r>
-              <a:rPr lang="en-US" dirty="0"/>
-              <a:t>sometimes called “Bayesian p-values” that describe the proportion of the posterior that are above/below a certain value (e.g. 0).</a:t>
-            </a:r>
-          </a:p>
-          <a:p>
-            <a:pPr marL="742950" lvl="1" indent="-285750">
-              <a:buFontTx/>
-              <a:buChar char="-"/>
-            </a:pPr>
-            <a:r>
-              <a:rPr lang="de-DE" b="1" dirty="0"/>
-              <a:t>Advantages</a:t>
-            </a:r>
-            <a:r>
-              <a:rPr lang="de-DE" dirty="0"/>
-              <a:t>: easy to </a:t>
-            </a:r>
-            <a:r>
-              <a:rPr lang="en-US" dirty="0"/>
-              <a:t>compute, easily interpretable</a:t>
-            </a:r>
-          </a:p>
-          <a:p>
-            <a:pPr marL="742950" lvl="1" indent="-285750">
-              <a:buFontTx/>
-              <a:buChar char="-"/>
-            </a:pPr>
-            <a:r>
-              <a:rPr lang="en-US" b="1" dirty="0"/>
-              <a:t>Disadvantages</a:t>
-            </a:r>
-            <a:r>
-              <a:rPr lang="de-DE" b="1" dirty="0"/>
-              <a:t>: </a:t>
-            </a:r>
-            <a:r>
-              <a:rPr lang="de-DE" dirty="0"/>
-              <a:t>not trivial to do with </a:t>
-            </a:r>
-            <a:r>
-              <a:rPr lang="en-US" dirty="0"/>
-              <a:t>factors</a:t>
-            </a:r>
-            <a:r>
-              <a:rPr lang="de-DE" dirty="0"/>
-              <a:t> that have </a:t>
-            </a:r>
-            <a:r>
-              <a:rPr lang="en-US" dirty="0"/>
-              <a:t>more than</a:t>
-            </a:r>
-            <a:r>
-              <a:rPr lang="de-DE" dirty="0"/>
-              <a:t> 2 </a:t>
-            </a:r>
-            <a:r>
-              <a:rPr lang="en-US" dirty="0"/>
-              <a:t>levels their interactions</a:t>
-            </a:r>
-            <a:r>
-              <a:rPr lang="de-DE" dirty="0"/>
-              <a:t>.</a:t>
-            </a:r>
-            <a:endParaRPr lang="en-US" b="1" dirty="0"/>
-          </a:p>
-          <a:p>
-            <a:pPr marL="285750" indent="-285750">
-              <a:buFontTx/>
-              <a:buChar char="-"/>
-            </a:pPr>
-            <a:endParaRPr lang="en-US" i="1" dirty="0"/>
-          </a:p>
-          <a:p>
-            <a:pPr marL="285750" indent="-285750">
-              <a:buFontTx/>
-              <a:buChar char="-"/>
-            </a:pPr>
-            <a:r>
-              <a:rPr lang="en-US" dirty="0"/>
-              <a:t>We can do model comparisons based on information-criteria / quantifying predictive performance (e.g. AIC / WAIC / LOOIC / cross-validation)</a:t>
-            </a:r>
-          </a:p>
-          <a:p>
-            <a:pPr marL="742950" lvl="1" indent="-285750">
-              <a:buFontTx/>
-              <a:buChar char="-"/>
-            </a:pPr>
-            <a:r>
-              <a:rPr lang="de-DE" b="1" dirty="0"/>
-              <a:t>Advantages</a:t>
-            </a:r>
-            <a:r>
-              <a:rPr lang="de-DE" dirty="0"/>
-              <a:t>: very flexible in </a:t>
-            </a:r>
-            <a:r>
-              <a:rPr lang="en-US" dirty="0"/>
-              <a:t>terms of comparison </a:t>
-            </a:r>
-            <a:r>
-              <a:rPr lang="de-DE" dirty="0"/>
-              <a:t>(not only </a:t>
-            </a:r>
-            <a:r>
-              <a:rPr lang="en-US" dirty="0"/>
-              <a:t>nested models</a:t>
-            </a:r>
-            <a:r>
-              <a:rPr lang="de-DE" dirty="0"/>
-              <a:t>)</a:t>
-            </a:r>
-            <a:endParaRPr lang="en-US" dirty="0"/>
-          </a:p>
-          <a:p>
-            <a:pPr marL="742950" lvl="1" indent="-285750">
-              <a:buFontTx/>
-              <a:buChar char="-"/>
-            </a:pPr>
-            <a:r>
-              <a:rPr lang="en-US" b="1" dirty="0"/>
-              <a:t>Disadvantages</a:t>
-            </a:r>
-            <a:r>
-              <a:rPr lang="de-DE" b="1" dirty="0"/>
-              <a:t>: </a:t>
-            </a:r>
-            <a:r>
-              <a:rPr lang="en-US" dirty="0"/>
-              <a:t>answering a slightly different question than what we normally want to know with significance tests (namely predictive performance</a:t>
-            </a:r>
-            <a:r>
-              <a:rPr lang="de-DE" dirty="0"/>
-              <a:t>)</a:t>
-            </a:r>
-            <a:endParaRPr lang="de-DE" i="1" dirty="0"/>
-          </a:p>
-          <a:p>
-            <a:pPr marL="285750" indent="-285750">
-              <a:buFontTx/>
-              <a:buChar char="-"/>
-            </a:pPr>
-            <a:endParaRPr lang="en-US" i="1" dirty="0"/>
-          </a:p>
-          <a:p>
-            <a:pPr marL="285750" indent="-285750">
-              <a:buFontTx/>
-              <a:buChar char="-"/>
-            </a:pPr>
-            <a:r>
-              <a:rPr lang="en-US" dirty="0"/>
-              <a:t>We can calculate the Bayes-Factor (i.e. ratio of prior odds to posterior odds aka. the evidence ratio between two hypotheses)</a:t>
-            </a:r>
-          </a:p>
-          <a:p>
-            <a:pPr marL="742950" lvl="1" indent="-285750">
-              <a:buFontTx/>
-              <a:buChar char="-"/>
-            </a:pPr>
-            <a:r>
-              <a:rPr lang="de-DE" b="1" dirty="0"/>
-              <a:t>A</a:t>
-            </a:r>
-            <a:r>
-              <a:rPr lang="en-US" b="1" dirty="0" err="1"/>
-              <a:t>dvantages</a:t>
-            </a:r>
-            <a:r>
-              <a:rPr lang="en-US" b="1" dirty="0"/>
-              <a:t>: </a:t>
-            </a:r>
-            <a:r>
-              <a:rPr lang="en-US" dirty="0"/>
-              <a:t>gives us overall “evidential value” statistic for an effect (as compared posterior probabilities)</a:t>
-            </a:r>
-          </a:p>
-          <a:p>
-            <a:pPr marL="742950" lvl="1" indent="-285750">
-              <a:buFontTx/>
-              <a:buChar char="-"/>
-            </a:pPr>
-            <a:r>
-              <a:rPr lang="en-US" b="1" dirty="0"/>
-              <a:t>Disadvantages</a:t>
-            </a:r>
-            <a:r>
-              <a:rPr lang="de-DE" b="1" dirty="0"/>
-              <a:t>: </a:t>
-            </a:r>
-            <a:r>
-              <a:rPr lang="en-US" dirty="0"/>
-              <a:t>Take a lot of time and effort to compute (only stable if we increase iterations to </a:t>
-            </a:r>
-            <a:r>
-              <a:rPr lang="de-DE" dirty="0"/>
-              <a:t>&gt; 10000), </a:t>
-            </a:r>
-            <a:r>
-              <a:rPr lang="de-DE" b="1" i="1" dirty="0"/>
-              <a:t>very</a:t>
-            </a:r>
-            <a:r>
-              <a:rPr lang="de-DE" dirty="0"/>
-              <a:t> </a:t>
-            </a:r>
-            <a:r>
-              <a:rPr lang="de-DE" dirty="0" err="1"/>
-              <a:t>dependent</a:t>
-            </a:r>
-            <a:r>
-              <a:rPr lang="de-DE" dirty="0"/>
-              <a:t> on </a:t>
-            </a:r>
-            <a:r>
-              <a:rPr lang="de-DE" dirty="0" err="1"/>
-              <a:t>prior</a:t>
-            </a:r>
-            <a:r>
-              <a:rPr lang="de-DE" dirty="0"/>
-              <a:t> with no </a:t>
-            </a:r>
-            <a:r>
-              <a:rPr lang="de-DE" dirty="0" err="1"/>
-              <a:t>clear</a:t>
-            </a:r>
-            <a:r>
-              <a:rPr lang="de-DE" dirty="0"/>
-              <a:t> </a:t>
-            </a:r>
-            <a:r>
-              <a:rPr lang="de-DE" dirty="0" err="1"/>
-              <a:t>standards</a:t>
-            </a:r>
-            <a:r>
-              <a:rPr lang="de-DE" dirty="0"/>
-              <a:t> of </a:t>
-            </a:r>
-            <a:r>
-              <a:rPr lang="de-DE" dirty="0" err="1"/>
-              <a:t>reporting</a:t>
-            </a:r>
-            <a:r>
-              <a:rPr lang="de-DE" dirty="0"/>
-              <a:t> </a:t>
-            </a:r>
-            <a:r>
-              <a:rPr lang="de-DE" dirty="0" err="1"/>
-              <a:t>yet</a:t>
-            </a:r>
-            <a:r>
-              <a:rPr lang="de-DE" dirty="0"/>
-              <a:t>.</a:t>
-            </a:r>
-            <a:endParaRPr lang="en-US" b="1" dirty="0"/>
-          </a:p>
-          <a:p>
-            <a:pPr marL="742950" lvl="1" indent="-285750">
-              <a:buFontTx/>
-              <a:buChar char="-"/>
-            </a:pPr>
-            <a:endParaRPr lang="en-US" b="1" dirty="0"/>
-          </a:p>
-        </p:txBody>
-      </p:sp>
-    </p:spTree>
-    <p:extLst>
-      <p:ext uri="{BB962C8B-B14F-4D97-AF65-F5344CB8AC3E}">
-        <p14:creationId xmlns:p14="http://schemas.microsoft.com/office/powerpoint/2010/main" val="3660985335"/>
       </p:ext>
     </p:extLst>
   </p:cSld>
@@ -35957,19 +36838,20 @@
             <a:pPr algn="ctr"/>
             <a:r>
               <a:rPr lang="de-DE" sz="7200" dirty="0"/>
-              <a:t>Model </a:t>
-            </a:r>
-            <a:r>
-              <a:rPr lang="en-US" sz="7200" dirty="0"/>
-              <a:t>Families</a:t>
-            </a:r>
+              <a:t>Evaluation 3 - </a:t>
+            </a:r>
+            <a:r>
+              <a:rPr lang="de-DE" sz="7200" dirty="0" err="1"/>
+              <a:t>Testing</a:t>
+            </a:r>
+            <a:endParaRPr lang="en-US" sz="7200" dirty="0"/>
           </a:p>
         </p:txBody>
       </p:sp>
     </p:spTree>
     <p:extLst>
       <p:ext uri="{BB962C8B-B14F-4D97-AF65-F5344CB8AC3E}">
-        <p14:creationId xmlns:p14="http://schemas.microsoft.com/office/powerpoint/2010/main" val="1776118149"/>
+        <p14:creationId xmlns:p14="http://schemas.microsoft.com/office/powerpoint/2010/main" val="882869997"/>
       </p:ext>
     </p:extLst>
   </p:cSld>
@@ -36024,6 +36906,1002 @@
           <a:p>
             <a:r>
               <a:rPr lang="en-US" dirty="0"/>
+              <a:t>Evaluation: Is there an effect of condition?</a:t>
+            </a:r>
+          </a:p>
+        </p:txBody>
+      </p:sp>
+      <p:sp>
+        <p:nvSpPr>
+          <p:cNvPr id="7" name="Rectangle 6">
+            <a:extLst>
+              <a:ext uri="{FF2B5EF4-FFF2-40B4-BE49-F238E27FC236}">
+                <a16:creationId xmlns:a16="http://schemas.microsoft.com/office/drawing/2014/main" id="{B47F9C01-760B-4A23-9A07-EFBB983C8FA9}"/>
+              </a:ext>
+            </a:extLst>
+          </p:cNvPr>
+          <p:cNvSpPr/>
+          <p:nvPr/>
+        </p:nvSpPr>
+        <p:spPr>
+          <a:xfrm>
+            <a:off x="276641" y="1325563"/>
+            <a:ext cx="11772484" cy="5355312"/>
+          </a:xfrm>
+          <a:prstGeom prst="rect">
+            <a:avLst/>
+          </a:prstGeom>
+        </p:spPr>
+        <p:txBody>
+          <a:bodyPr wrap="square">
+            <a:spAutoFit/>
+          </a:bodyPr>
+          <a:lstStyle/>
+          <a:p>
+            <a:r>
+              <a:rPr lang="en-US" dirty="0"/>
+              <a:t>What are our options here? We do not get p-values (they don’t exist/make sense in the Bayesian framework)</a:t>
+            </a:r>
+          </a:p>
+          <a:p>
+            <a:endParaRPr lang="en-US" dirty="0"/>
+          </a:p>
+          <a:p>
+            <a:pPr marL="285750" indent="-285750">
+              <a:buFontTx/>
+              <a:buChar char="-"/>
+            </a:pPr>
+            <a:r>
+              <a:rPr lang="en-US" dirty="0"/>
+              <a:t>We can get </a:t>
+            </a:r>
+            <a:r>
+              <a:rPr lang="en-US" i="1" dirty="0"/>
+              <a:t>posterior probabilities </a:t>
+            </a:r>
+            <a:r>
+              <a:rPr lang="en-US" dirty="0"/>
+              <a:t>sometimes called “Bayesian p-values” that describe the proportion of the posterior that are above/below a certain value (e.g. 0).</a:t>
+            </a:r>
+          </a:p>
+          <a:p>
+            <a:pPr marL="742950" lvl="1" indent="-285750">
+              <a:buFontTx/>
+              <a:buChar char="-"/>
+            </a:pPr>
+            <a:r>
+              <a:rPr lang="de-DE" b="1" dirty="0"/>
+              <a:t>Advantages</a:t>
+            </a:r>
+            <a:r>
+              <a:rPr lang="de-DE" dirty="0"/>
+              <a:t>: easy to </a:t>
+            </a:r>
+            <a:r>
+              <a:rPr lang="en-US" dirty="0"/>
+              <a:t>compute, easily interpretable</a:t>
+            </a:r>
+          </a:p>
+          <a:p>
+            <a:pPr marL="742950" lvl="1" indent="-285750">
+              <a:buFontTx/>
+              <a:buChar char="-"/>
+            </a:pPr>
+            <a:r>
+              <a:rPr lang="en-US" b="1" dirty="0"/>
+              <a:t>Disadvantages</a:t>
+            </a:r>
+            <a:r>
+              <a:rPr lang="de-DE" b="1" dirty="0"/>
+              <a:t>: </a:t>
+            </a:r>
+            <a:r>
+              <a:rPr lang="de-DE" dirty="0"/>
+              <a:t>not trivial to do with </a:t>
+            </a:r>
+            <a:r>
+              <a:rPr lang="en-US" dirty="0"/>
+              <a:t>factors</a:t>
+            </a:r>
+            <a:r>
+              <a:rPr lang="de-DE" dirty="0"/>
+              <a:t> that have </a:t>
+            </a:r>
+            <a:r>
+              <a:rPr lang="en-US" dirty="0"/>
+              <a:t>more than</a:t>
+            </a:r>
+            <a:r>
+              <a:rPr lang="de-DE" dirty="0"/>
+              <a:t> 2 </a:t>
+            </a:r>
+            <a:r>
+              <a:rPr lang="en-US" dirty="0"/>
+              <a:t>levels or their interactions</a:t>
+            </a:r>
+            <a:r>
+              <a:rPr lang="de-DE" dirty="0"/>
+              <a:t>.</a:t>
+            </a:r>
+            <a:endParaRPr lang="en-US" b="1" dirty="0"/>
+          </a:p>
+          <a:p>
+            <a:pPr marL="285750" indent="-285750">
+              <a:buFontTx/>
+              <a:buChar char="-"/>
+            </a:pPr>
+            <a:endParaRPr lang="en-US" i="1" dirty="0"/>
+          </a:p>
+          <a:p>
+            <a:pPr marL="285750" indent="-285750">
+              <a:buFontTx/>
+              <a:buChar char="-"/>
+            </a:pPr>
+            <a:r>
+              <a:rPr lang="en-US" dirty="0"/>
+              <a:t>We can do model comparisons based on information-criteria / quantifying predictive performance (e.g. AIC / WAIC / LOOIC / cross-validation)</a:t>
+            </a:r>
+          </a:p>
+          <a:p>
+            <a:pPr marL="742950" lvl="1" indent="-285750">
+              <a:buFontTx/>
+              <a:buChar char="-"/>
+            </a:pPr>
+            <a:r>
+              <a:rPr lang="de-DE" b="1" dirty="0"/>
+              <a:t>Advantages</a:t>
+            </a:r>
+            <a:r>
+              <a:rPr lang="de-DE" dirty="0"/>
+              <a:t>: very flexible in </a:t>
+            </a:r>
+            <a:r>
+              <a:rPr lang="en-US" dirty="0"/>
+              <a:t>terms of comparison </a:t>
+            </a:r>
+            <a:r>
+              <a:rPr lang="de-DE" dirty="0"/>
+              <a:t>(not only </a:t>
+            </a:r>
+            <a:r>
+              <a:rPr lang="en-US" dirty="0"/>
+              <a:t>nested models</a:t>
+            </a:r>
+            <a:r>
+              <a:rPr lang="de-DE" dirty="0"/>
+              <a:t>)</a:t>
+            </a:r>
+            <a:endParaRPr lang="en-US" dirty="0"/>
+          </a:p>
+          <a:p>
+            <a:pPr marL="742950" lvl="1" indent="-285750">
+              <a:buFontTx/>
+              <a:buChar char="-"/>
+            </a:pPr>
+            <a:r>
+              <a:rPr lang="en-US" b="1" dirty="0"/>
+              <a:t>Disadvantages</a:t>
+            </a:r>
+            <a:r>
+              <a:rPr lang="de-DE" b="1" dirty="0"/>
+              <a:t>: </a:t>
+            </a:r>
+            <a:r>
+              <a:rPr lang="en-US" dirty="0"/>
+              <a:t>answering a slightly different question than what we normally want to know with significance tests (namely predictive performance</a:t>
+            </a:r>
+            <a:r>
+              <a:rPr lang="de-DE" dirty="0"/>
+              <a:t>)</a:t>
+            </a:r>
+            <a:endParaRPr lang="de-DE" i="1" dirty="0"/>
+          </a:p>
+          <a:p>
+            <a:pPr marL="285750" indent="-285750">
+              <a:buFontTx/>
+              <a:buChar char="-"/>
+            </a:pPr>
+            <a:endParaRPr lang="en-US" i="1" dirty="0"/>
+          </a:p>
+          <a:p>
+            <a:pPr marL="285750" indent="-285750">
+              <a:buFontTx/>
+              <a:buChar char="-"/>
+            </a:pPr>
+            <a:r>
+              <a:rPr lang="en-US" dirty="0"/>
+              <a:t>We can calculate the Bayes-Factor (i.e. ratio of prior odds to posterior odds aka. the evidence ratio between two hypotheses)</a:t>
+            </a:r>
+          </a:p>
+          <a:p>
+            <a:pPr marL="742950" lvl="1" indent="-285750">
+              <a:buFontTx/>
+              <a:buChar char="-"/>
+            </a:pPr>
+            <a:r>
+              <a:rPr lang="de-DE" b="1" dirty="0"/>
+              <a:t>A</a:t>
+            </a:r>
+            <a:r>
+              <a:rPr lang="en-US" b="1" dirty="0" err="1"/>
+              <a:t>dvantages</a:t>
+            </a:r>
+            <a:r>
+              <a:rPr lang="en-US" b="1" dirty="0"/>
+              <a:t>: </a:t>
+            </a:r>
+            <a:r>
+              <a:rPr lang="en-US" dirty="0"/>
+              <a:t>gives us overall “evidential value” statistic for an effect (as compared posterior probabilities)</a:t>
+            </a:r>
+          </a:p>
+          <a:p>
+            <a:pPr marL="742950" lvl="1" indent="-285750">
+              <a:buFontTx/>
+              <a:buChar char="-"/>
+            </a:pPr>
+            <a:r>
+              <a:rPr lang="en-US" b="1" dirty="0"/>
+              <a:t>Disadvantages</a:t>
+            </a:r>
+            <a:r>
+              <a:rPr lang="de-DE" b="1" dirty="0"/>
+              <a:t>: </a:t>
+            </a:r>
+            <a:r>
+              <a:rPr lang="en-US" dirty="0"/>
+              <a:t>Take a lot of time and effort to compute (only stable if we increase iterations to </a:t>
+            </a:r>
+            <a:r>
+              <a:rPr lang="de-DE" dirty="0"/>
+              <a:t>&gt; 10000), </a:t>
+            </a:r>
+            <a:r>
+              <a:rPr lang="de-DE" b="1" i="1" dirty="0"/>
+              <a:t>very</a:t>
+            </a:r>
+            <a:r>
+              <a:rPr lang="de-DE" dirty="0"/>
+              <a:t> </a:t>
+            </a:r>
+            <a:r>
+              <a:rPr lang="de-DE" dirty="0" err="1"/>
+              <a:t>dependent</a:t>
+            </a:r>
+            <a:r>
+              <a:rPr lang="de-DE" dirty="0"/>
+              <a:t> on </a:t>
+            </a:r>
+            <a:r>
+              <a:rPr lang="de-DE" dirty="0" err="1"/>
+              <a:t>prior</a:t>
+            </a:r>
+            <a:r>
+              <a:rPr lang="de-DE" dirty="0"/>
+              <a:t> with no </a:t>
+            </a:r>
+            <a:r>
+              <a:rPr lang="de-DE" dirty="0" err="1"/>
+              <a:t>clear</a:t>
+            </a:r>
+            <a:r>
+              <a:rPr lang="de-DE" dirty="0"/>
+              <a:t> </a:t>
+            </a:r>
+            <a:r>
+              <a:rPr lang="de-DE" dirty="0" err="1"/>
+              <a:t>standards</a:t>
+            </a:r>
+            <a:r>
+              <a:rPr lang="de-DE" dirty="0"/>
+              <a:t> of </a:t>
+            </a:r>
+            <a:r>
+              <a:rPr lang="de-DE" dirty="0" err="1"/>
+              <a:t>reporting</a:t>
+            </a:r>
+            <a:r>
+              <a:rPr lang="de-DE" dirty="0"/>
+              <a:t> </a:t>
+            </a:r>
+            <a:r>
+              <a:rPr lang="de-DE" dirty="0" err="1"/>
+              <a:t>yet</a:t>
+            </a:r>
+            <a:r>
+              <a:rPr lang="de-DE" dirty="0"/>
+              <a:t>.</a:t>
+            </a:r>
+            <a:endParaRPr lang="en-US" b="1" dirty="0"/>
+          </a:p>
+          <a:p>
+            <a:pPr marL="742950" lvl="1" indent="-285750">
+              <a:buFontTx/>
+              <a:buChar char="-"/>
+            </a:pPr>
+            <a:endParaRPr lang="en-US" b="1" dirty="0"/>
+          </a:p>
+        </p:txBody>
+      </p:sp>
+    </p:spTree>
+    <p:extLst>
+      <p:ext uri="{BB962C8B-B14F-4D97-AF65-F5344CB8AC3E}">
+        <p14:creationId xmlns:p14="http://schemas.microsoft.com/office/powerpoint/2010/main" val="3660985335"/>
+      </p:ext>
+    </p:extLst>
+  </p:cSld>
+  <p:clrMapOvr>
+    <a:masterClrMapping/>
+  </p:clrMapOvr>
+  <p:timing>
+    <p:tnLst>
+      <p:par>
+        <p:cTn id="1" dur="indefinite" restart="never" nodeType="tmRoot">
+          <p:childTnLst>
+            <p:seq concurrent="1" nextAc="seek">
+              <p:cTn id="2" dur="indefinite" nodeType="mainSeq">
+                <p:childTnLst>
+                  <p:par>
+                    <p:cTn id="3" fill="hold">
+                      <p:stCondLst>
+                        <p:cond delay="indefinite"/>
+                      </p:stCondLst>
+                      <p:childTnLst>
+                        <p:par>
+                          <p:cTn id="4" fill="hold">
+                            <p:stCondLst>
+                              <p:cond delay="0"/>
+                            </p:stCondLst>
+                            <p:childTnLst>
+                              <p:par>
+                                <p:cTn id="5" presetID="1" presetClass="entr" presetSubtype="0" fill="hold" nodeType="clickEffect">
+                                  <p:stCondLst>
+                                    <p:cond delay="0"/>
+                                  </p:stCondLst>
+                                  <p:childTnLst>
+                                    <p:set>
+                                      <p:cBhvr>
+                                        <p:cTn id="6" dur="1" fill="hold">
+                                          <p:stCondLst>
+                                            <p:cond delay="0"/>
+                                          </p:stCondLst>
+                                        </p:cTn>
+                                        <p:tgtEl>
+                                          <p:spTgt spid="7">
+                                            <p:txEl>
+                                              <p:pRg st="2" end="2"/>
+                                            </p:txEl>
+                                          </p:spTgt>
+                                        </p:tgtEl>
+                                        <p:attrNameLst>
+                                          <p:attrName>style.visibility</p:attrName>
+                                        </p:attrNameLst>
+                                      </p:cBhvr>
+                                      <p:to>
+                                        <p:strVal val="visible"/>
+                                      </p:to>
+                                    </p:set>
+                                  </p:childTnLst>
+                                </p:cTn>
+                              </p:par>
+                              <p:par>
+                                <p:cTn id="7" presetID="1" presetClass="entr" presetSubtype="0" fill="hold" nodeType="withEffect">
+                                  <p:stCondLst>
+                                    <p:cond delay="0"/>
+                                  </p:stCondLst>
+                                  <p:childTnLst>
+                                    <p:set>
+                                      <p:cBhvr>
+                                        <p:cTn id="8" dur="1" fill="hold">
+                                          <p:stCondLst>
+                                            <p:cond delay="0"/>
+                                          </p:stCondLst>
+                                        </p:cTn>
+                                        <p:tgtEl>
+                                          <p:spTgt spid="7">
+                                            <p:txEl>
+                                              <p:pRg st="3" end="3"/>
+                                            </p:txEl>
+                                          </p:spTgt>
+                                        </p:tgtEl>
+                                        <p:attrNameLst>
+                                          <p:attrName>style.visibility</p:attrName>
+                                        </p:attrNameLst>
+                                      </p:cBhvr>
+                                      <p:to>
+                                        <p:strVal val="visible"/>
+                                      </p:to>
+                                    </p:set>
+                                  </p:childTnLst>
+                                </p:cTn>
+                              </p:par>
+                              <p:par>
+                                <p:cTn id="9" presetID="1" presetClass="entr" presetSubtype="0" fill="hold" nodeType="withEffect">
+                                  <p:stCondLst>
+                                    <p:cond delay="0"/>
+                                  </p:stCondLst>
+                                  <p:childTnLst>
+                                    <p:set>
+                                      <p:cBhvr>
+                                        <p:cTn id="10" dur="1" fill="hold">
+                                          <p:stCondLst>
+                                            <p:cond delay="0"/>
+                                          </p:stCondLst>
+                                        </p:cTn>
+                                        <p:tgtEl>
+                                          <p:spTgt spid="7">
+                                            <p:txEl>
+                                              <p:pRg st="4" end="4"/>
+                                            </p:txEl>
+                                          </p:spTgt>
+                                        </p:tgtEl>
+                                        <p:attrNameLst>
+                                          <p:attrName>style.visibility</p:attrName>
+                                        </p:attrNameLst>
+                                      </p:cBhvr>
+                                      <p:to>
+                                        <p:strVal val="visible"/>
+                                      </p:to>
+                                    </p:set>
+                                  </p:childTnLst>
+                                </p:cTn>
+                              </p:par>
+                            </p:childTnLst>
+                          </p:cTn>
+                        </p:par>
+                      </p:childTnLst>
+                    </p:cTn>
+                  </p:par>
+                  <p:par>
+                    <p:cTn id="11" fill="hold">
+                      <p:stCondLst>
+                        <p:cond delay="indefinite"/>
+                      </p:stCondLst>
+                      <p:childTnLst>
+                        <p:par>
+                          <p:cTn id="12" fill="hold">
+                            <p:stCondLst>
+                              <p:cond delay="0"/>
+                            </p:stCondLst>
+                            <p:childTnLst>
+                              <p:par>
+                                <p:cTn id="13" presetID="1" presetClass="entr" presetSubtype="0" fill="hold" nodeType="clickEffect">
+                                  <p:stCondLst>
+                                    <p:cond delay="0"/>
+                                  </p:stCondLst>
+                                  <p:childTnLst>
+                                    <p:set>
+                                      <p:cBhvr>
+                                        <p:cTn id="14" dur="1" fill="hold">
+                                          <p:stCondLst>
+                                            <p:cond delay="0"/>
+                                          </p:stCondLst>
+                                        </p:cTn>
+                                        <p:tgtEl>
+                                          <p:spTgt spid="7">
+                                            <p:txEl>
+                                              <p:pRg st="6" end="6"/>
+                                            </p:txEl>
+                                          </p:spTgt>
+                                        </p:tgtEl>
+                                        <p:attrNameLst>
+                                          <p:attrName>style.visibility</p:attrName>
+                                        </p:attrNameLst>
+                                      </p:cBhvr>
+                                      <p:to>
+                                        <p:strVal val="visible"/>
+                                      </p:to>
+                                    </p:set>
+                                  </p:childTnLst>
+                                </p:cTn>
+                              </p:par>
+                              <p:par>
+                                <p:cTn id="15" presetID="1" presetClass="entr" presetSubtype="0" fill="hold" nodeType="withEffect">
+                                  <p:stCondLst>
+                                    <p:cond delay="0"/>
+                                  </p:stCondLst>
+                                  <p:childTnLst>
+                                    <p:set>
+                                      <p:cBhvr>
+                                        <p:cTn id="16" dur="1" fill="hold">
+                                          <p:stCondLst>
+                                            <p:cond delay="0"/>
+                                          </p:stCondLst>
+                                        </p:cTn>
+                                        <p:tgtEl>
+                                          <p:spTgt spid="7">
+                                            <p:txEl>
+                                              <p:pRg st="7" end="7"/>
+                                            </p:txEl>
+                                          </p:spTgt>
+                                        </p:tgtEl>
+                                        <p:attrNameLst>
+                                          <p:attrName>style.visibility</p:attrName>
+                                        </p:attrNameLst>
+                                      </p:cBhvr>
+                                      <p:to>
+                                        <p:strVal val="visible"/>
+                                      </p:to>
+                                    </p:set>
+                                  </p:childTnLst>
+                                </p:cTn>
+                              </p:par>
+                              <p:par>
+                                <p:cTn id="17" presetID="1" presetClass="entr" presetSubtype="0" fill="hold" nodeType="withEffect">
+                                  <p:stCondLst>
+                                    <p:cond delay="0"/>
+                                  </p:stCondLst>
+                                  <p:childTnLst>
+                                    <p:set>
+                                      <p:cBhvr>
+                                        <p:cTn id="18" dur="1" fill="hold">
+                                          <p:stCondLst>
+                                            <p:cond delay="0"/>
+                                          </p:stCondLst>
+                                        </p:cTn>
+                                        <p:tgtEl>
+                                          <p:spTgt spid="7">
+                                            <p:txEl>
+                                              <p:pRg st="8" end="8"/>
+                                            </p:txEl>
+                                          </p:spTgt>
+                                        </p:tgtEl>
+                                        <p:attrNameLst>
+                                          <p:attrName>style.visibility</p:attrName>
+                                        </p:attrNameLst>
+                                      </p:cBhvr>
+                                      <p:to>
+                                        <p:strVal val="visible"/>
+                                      </p:to>
+                                    </p:set>
+                                  </p:childTnLst>
+                                </p:cTn>
+                              </p:par>
+                            </p:childTnLst>
+                          </p:cTn>
+                        </p:par>
+                      </p:childTnLst>
+                    </p:cTn>
+                  </p:par>
+                  <p:par>
+                    <p:cTn id="19" fill="hold">
+                      <p:stCondLst>
+                        <p:cond delay="indefinite"/>
+                      </p:stCondLst>
+                      <p:childTnLst>
+                        <p:par>
+                          <p:cTn id="20" fill="hold">
+                            <p:stCondLst>
+                              <p:cond delay="0"/>
+                            </p:stCondLst>
+                            <p:childTnLst>
+                              <p:par>
+                                <p:cTn id="21" presetID="1" presetClass="entr" presetSubtype="0" fill="hold" nodeType="clickEffect">
+                                  <p:stCondLst>
+                                    <p:cond delay="0"/>
+                                  </p:stCondLst>
+                                  <p:childTnLst>
+                                    <p:set>
+                                      <p:cBhvr>
+                                        <p:cTn id="22" dur="1" fill="hold">
+                                          <p:stCondLst>
+                                            <p:cond delay="0"/>
+                                          </p:stCondLst>
+                                        </p:cTn>
+                                        <p:tgtEl>
+                                          <p:spTgt spid="7">
+                                            <p:txEl>
+                                              <p:pRg st="10" end="10"/>
+                                            </p:txEl>
+                                          </p:spTgt>
+                                        </p:tgtEl>
+                                        <p:attrNameLst>
+                                          <p:attrName>style.visibility</p:attrName>
+                                        </p:attrNameLst>
+                                      </p:cBhvr>
+                                      <p:to>
+                                        <p:strVal val="visible"/>
+                                      </p:to>
+                                    </p:set>
+                                  </p:childTnLst>
+                                </p:cTn>
+                              </p:par>
+                              <p:par>
+                                <p:cTn id="23" presetID="1" presetClass="entr" presetSubtype="0" fill="hold" nodeType="withEffect">
+                                  <p:stCondLst>
+                                    <p:cond delay="0"/>
+                                  </p:stCondLst>
+                                  <p:childTnLst>
+                                    <p:set>
+                                      <p:cBhvr>
+                                        <p:cTn id="24" dur="1" fill="hold">
+                                          <p:stCondLst>
+                                            <p:cond delay="0"/>
+                                          </p:stCondLst>
+                                        </p:cTn>
+                                        <p:tgtEl>
+                                          <p:spTgt spid="7">
+                                            <p:txEl>
+                                              <p:pRg st="11" end="11"/>
+                                            </p:txEl>
+                                          </p:spTgt>
+                                        </p:tgtEl>
+                                        <p:attrNameLst>
+                                          <p:attrName>style.visibility</p:attrName>
+                                        </p:attrNameLst>
+                                      </p:cBhvr>
+                                      <p:to>
+                                        <p:strVal val="visible"/>
+                                      </p:to>
+                                    </p:set>
+                                  </p:childTnLst>
+                                </p:cTn>
+                              </p:par>
+                              <p:par>
+                                <p:cTn id="25" presetID="1" presetClass="entr" presetSubtype="0" fill="hold" nodeType="withEffect">
+                                  <p:stCondLst>
+                                    <p:cond delay="0"/>
+                                  </p:stCondLst>
+                                  <p:childTnLst>
+                                    <p:set>
+                                      <p:cBhvr>
+                                        <p:cTn id="26" dur="1" fill="hold">
+                                          <p:stCondLst>
+                                            <p:cond delay="0"/>
+                                          </p:stCondLst>
+                                        </p:cTn>
+                                        <p:tgtEl>
+                                          <p:spTgt spid="7">
+                                            <p:txEl>
+                                              <p:pRg st="12" end="12"/>
+                                            </p:txEl>
+                                          </p:spTgt>
+                                        </p:tgtEl>
+                                        <p:attrNameLst>
+                                          <p:attrName>style.visibility</p:attrName>
+                                        </p:attrNameLst>
+                                      </p:cBhvr>
+                                      <p:to>
+                                        <p:strVal val="visible"/>
+                                      </p:to>
+                                    </p:set>
+                                  </p:childTnLst>
+                                </p:cTn>
+                              </p:par>
+                            </p:childTnLst>
+                          </p:cTn>
+                        </p:par>
+                      </p:childTnLst>
+                    </p:cTn>
+                  </p:par>
+                </p:childTnLst>
+              </p:cTn>
+              <p:prevCondLst>
+                <p:cond evt="onPrev" delay="0">
+                  <p:tgtEl>
+                    <p:sldTgt/>
+                  </p:tgtEl>
+                </p:cond>
+              </p:prevCondLst>
+              <p:nextCondLst>
+                <p:cond evt="onNext" delay="0">
+                  <p:tgtEl>
+                    <p:sldTgt/>
+                  </p:tgtEl>
+                </p:cond>
+              </p:nextCondLst>
+            </p:seq>
+          </p:childTnLst>
+        </p:cTn>
+      </p:par>
+    </p:tnLst>
+  </p:timing>
+</p:sld>
+</file>
+
+<file path=ppt/slides/slide62.xml><?xml version="1.0" encoding="utf-8"?>
+<p:sld xmlns:a="http://schemas.openxmlformats.org/drawingml/2006/main" xmlns:r="http://schemas.openxmlformats.org/officeDocument/2006/relationships" xmlns:p="http://schemas.openxmlformats.org/presentationml/2006/main">
+  <p:cSld>
+    <p:spTree>
+      <p:nvGrpSpPr>
+        <p:cNvPr id="1" name=""/>
+        <p:cNvGrpSpPr/>
+        <p:nvPr/>
+      </p:nvGrpSpPr>
+      <p:grpSpPr>
+        <a:xfrm>
+          <a:off x="0" y="0"/>
+          <a:ext cx="0" cy="0"/>
+          <a:chOff x="0" y="0"/>
+          <a:chExt cx="0" cy="0"/>
+        </a:xfrm>
+      </p:grpSpPr>
+      <p:sp>
+        <p:nvSpPr>
+          <p:cNvPr id="2" name="Title 1">
+            <a:extLst>
+              <a:ext uri="{FF2B5EF4-FFF2-40B4-BE49-F238E27FC236}">
+                <a16:creationId xmlns:a16="http://schemas.microsoft.com/office/drawing/2014/main" id="{DF61E904-B2DF-43E8-826E-8DFDF1797C5C}"/>
+              </a:ext>
+            </a:extLst>
+          </p:cNvPr>
+          <p:cNvSpPr>
+            <a:spLocks noGrp="1"/>
+          </p:cNvSpPr>
+          <p:nvPr>
+            <p:ph type="title"/>
+          </p:nvPr>
+        </p:nvSpPr>
+        <p:spPr>
+          <a:xfrm>
+            <a:off x="838200" y="2584450"/>
+            <a:ext cx="10515600" cy="1325563"/>
+          </a:xfrm>
+        </p:spPr>
+        <p:txBody>
+          <a:bodyPr>
+            <a:normAutofit/>
+          </a:bodyPr>
+          <a:lstStyle/>
+          <a:p>
+            <a:pPr algn="ctr"/>
+            <a:r>
+              <a:rPr lang="de-DE" sz="7200" dirty="0"/>
+              <a:t>Model </a:t>
+            </a:r>
+            <a:r>
+              <a:rPr lang="en-US" sz="7200" dirty="0"/>
+              <a:t>Families</a:t>
+            </a:r>
+          </a:p>
+        </p:txBody>
+      </p:sp>
+    </p:spTree>
+    <p:extLst>
+      <p:ext uri="{BB962C8B-B14F-4D97-AF65-F5344CB8AC3E}">
+        <p14:creationId xmlns:p14="http://schemas.microsoft.com/office/powerpoint/2010/main" val="1776118149"/>
+      </p:ext>
+    </p:extLst>
+  </p:cSld>
+  <p:clrMapOvr>
+    <a:masterClrMapping/>
+  </p:clrMapOvr>
+</p:sld>
+</file>
+
+<file path=ppt/slides/slide63.xml><?xml version="1.0" encoding="utf-8"?>
+<p:sld xmlns:a="http://schemas.openxmlformats.org/drawingml/2006/main" xmlns:r="http://schemas.openxmlformats.org/officeDocument/2006/relationships" xmlns:p="http://schemas.openxmlformats.org/presentationml/2006/main">
+  <p:cSld>
+    <p:spTree>
+      <p:nvGrpSpPr>
+        <p:cNvPr id="1" name=""/>
+        <p:cNvGrpSpPr/>
+        <p:nvPr/>
+      </p:nvGrpSpPr>
+      <p:grpSpPr>
+        <a:xfrm>
+          <a:off x="0" y="0"/>
+          <a:ext cx="0" cy="0"/>
+          <a:chOff x="0" y="0"/>
+          <a:chExt cx="0" cy="0"/>
+        </a:xfrm>
+      </p:grpSpPr>
+      <p:pic>
+        <p:nvPicPr>
+          <p:cNvPr id="4" name="Picture 3">
+            <a:extLst>
+              <a:ext uri="{FF2B5EF4-FFF2-40B4-BE49-F238E27FC236}">
+                <a16:creationId xmlns:a16="http://schemas.microsoft.com/office/drawing/2014/main" id="{6D96D55D-C1C0-4D9B-96B6-DB38D14DA076}"/>
+              </a:ext>
+            </a:extLst>
+          </p:cNvPr>
+          <p:cNvPicPr>
+            <a:picLocks noChangeAspect="1"/>
+          </p:cNvPicPr>
+          <p:nvPr/>
+        </p:nvPicPr>
+        <p:blipFill>
+          <a:blip r:embed="rId2"/>
+          <a:stretch>
+            <a:fillRect/>
+          </a:stretch>
+        </p:blipFill>
+        <p:spPr>
+          <a:xfrm>
+            <a:off x="995362" y="2163352"/>
+            <a:ext cx="10201275" cy="3133725"/>
+          </a:xfrm>
+          <a:prstGeom prst="rect">
+            <a:avLst/>
+          </a:prstGeom>
+        </p:spPr>
+      </p:pic>
+      <p:sp>
+        <p:nvSpPr>
+          <p:cNvPr id="6" name="Rectangle 5">
+            <a:extLst>
+              <a:ext uri="{FF2B5EF4-FFF2-40B4-BE49-F238E27FC236}">
+                <a16:creationId xmlns:a16="http://schemas.microsoft.com/office/drawing/2014/main" id="{F6077196-E524-4461-BEEE-64560A1AF054}"/>
+              </a:ext>
+            </a:extLst>
+          </p:cNvPr>
+          <p:cNvSpPr/>
+          <p:nvPr/>
+        </p:nvSpPr>
+        <p:spPr>
+          <a:xfrm>
+            <a:off x="276641" y="1325563"/>
+            <a:ext cx="11772484" cy="4524315"/>
+          </a:xfrm>
+          <a:prstGeom prst="rect">
+            <a:avLst/>
+          </a:prstGeom>
+        </p:spPr>
+        <p:txBody>
+          <a:bodyPr wrap="square">
+            <a:spAutoFit/>
+          </a:bodyPr>
+          <a:lstStyle/>
+          <a:p>
+            <a:pPr lvl="1"/>
+            <a:r>
+              <a:rPr lang="en-US" dirty="0"/>
+              <a:t>As said, we are not restricted to normal models, and can also e.g. fit a student-t distribution on the response data:</a:t>
+            </a:r>
+          </a:p>
+          <a:p>
+            <a:pPr lvl="1"/>
+            <a:endParaRPr lang="de-DE" dirty="0"/>
+          </a:p>
+          <a:p>
+            <a:pPr lvl="1"/>
+            <a:endParaRPr lang="en-US" dirty="0"/>
+          </a:p>
+          <a:p>
+            <a:pPr lvl="1"/>
+            <a:endParaRPr lang="en-US" dirty="0"/>
+          </a:p>
+          <a:p>
+            <a:pPr lvl="1"/>
+            <a:endParaRPr lang="en-US" dirty="0"/>
+          </a:p>
+          <a:p>
+            <a:pPr lvl="1"/>
+            <a:endParaRPr lang="en-US" dirty="0"/>
+          </a:p>
+          <a:p>
+            <a:pPr lvl="1"/>
+            <a:endParaRPr lang="en-US" dirty="0"/>
+          </a:p>
+          <a:p>
+            <a:pPr lvl="1"/>
+            <a:endParaRPr lang="en-US" dirty="0"/>
+          </a:p>
+          <a:p>
+            <a:pPr lvl="1"/>
+            <a:endParaRPr lang="en-US" dirty="0"/>
+          </a:p>
+          <a:p>
+            <a:pPr lvl="1"/>
+            <a:endParaRPr lang="en-US" dirty="0"/>
+          </a:p>
+          <a:p>
+            <a:pPr lvl="1"/>
+            <a:endParaRPr lang="en-US" dirty="0"/>
+          </a:p>
+          <a:p>
+            <a:pPr lvl="1"/>
+            <a:endParaRPr lang="en-US" dirty="0"/>
+          </a:p>
+          <a:p>
+            <a:pPr lvl="1"/>
+            <a:endParaRPr lang="en-US" dirty="0"/>
+          </a:p>
+          <a:p>
+            <a:pPr lvl="1"/>
+            <a:endParaRPr lang="en-US" dirty="0"/>
+          </a:p>
+          <a:p>
+            <a:pPr lvl="1"/>
+            <a:endParaRPr lang="en-US" dirty="0"/>
+          </a:p>
+          <a:p>
+            <a:pPr lvl="1"/>
+            <a:endParaRPr lang="en-US" dirty="0"/>
+          </a:p>
+        </p:txBody>
+      </p:sp>
+      <p:sp>
+        <p:nvSpPr>
+          <p:cNvPr id="7" name="Title 1">
+            <a:extLst>
+              <a:ext uri="{FF2B5EF4-FFF2-40B4-BE49-F238E27FC236}">
+                <a16:creationId xmlns:a16="http://schemas.microsoft.com/office/drawing/2014/main" id="{7E204F97-9AA6-4D6C-A08B-080CC23DAD9A}"/>
+              </a:ext>
+            </a:extLst>
+          </p:cNvPr>
+          <p:cNvSpPr>
+            <a:spLocks noGrp="1"/>
+          </p:cNvSpPr>
+          <p:nvPr>
+            <p:ph type="title"/>
+          </p:nvPr>
+        </p:nvSpPr>
+        <p:spPr>
+          <a:xfrm>
+            <a:off x="0" y="0"/>
+            <a:ext cx="10515600" cy="1325563"/>
+          </a:xfrm>
+        </p:spPr>
+        <p:txBody>
+          <a:bodyPr/>
+          <a:lstStyle/>
+          <a:p>
+            <a:r>
+              <a:rPr lang="en-US" dirty="0"/>
+              <a:t>Beyond that: Model families</a:t>
+            </a:r>
+          </a:p>
+        </p:txBody>
+      </p:sp>
+    </p:spTree>
+    <p:extLst>
+      <p:ext uri="{BB962C8B-B14F-4D97-AF65-F5344CB8AC3E}">
+        <p14:creationId xmlns:p14="http://schemas.microsoft.com/office/powerpoint/2010/main" val="1993831064"/>
+      </p:ext>
+    </p:extLst>
+  </p:cSld>
+  <p:clrMapOvr>
+    <a:masterClrMapping/>
+  </p:clrMapOvr>
+</p:sld>
+</file>
+
+<file path=ppt/slides/slide64.xml><?xml version="1.0" encoding="utf-8"?>
+<p:sld xmlns:a="http://schemas.openxmlformats.org/drawingml/2006/main" xmlns:r="http://schemas.openxmlformats.org/officeDocument/2006/relationships" xmlns:p="http://schemas.openxmlformats.org/presentationml/2006/main">
+  <p:cSld>
+    <p:spTree>
+      <p:nvGrpSpPr>
+        <p:cNvPr id="1" name=""/>
+        <p:cNvGrpSpPr/>
+        <p:nvPr/>
+      </p:nvGrpSpPr>
+      <p:grpSpPr>
+        <a:xfrm>
+          <a:off x="0" y="0"/>
+          <a:ext cx="0" cy="0"/>
+          <a:chOff x="0" y="0"/>
+          <a:chExt cx="0" cy="0"/>
+        </a:xfrm>
+      </p:grpSpPr>
+      <p:sp>
+        <p:nvSpPr>
+          <p:cNvPr id="2" name="Title 1">
+            <a:extLst>
+              <a:ext uri="{FF2B5EF4-FFF2-40B4-BE49-F238E27FC236}">
+                <a16:creationId xmlns:a16="http://schemas.microsoft.com/office/drawing/2014/main" id="{E2E78E3E-4CB8-4851-925F-B9E98E7BBFCD}"/>
+              </a:ext>
+            </a:extLst>
+          </p:cNvPr>
+          <p:cNvSpPr>
+            <a:spLocks noGrp="1"/>
+          </p:cNvSpPr>
+          <p:nvPr>
+            <p:ph type="title"/>
+          </p:nvPr>
+        </p:nvSpPr>
+        <p:spPr>
+          <a:xfrm>
+            <a:off x="0" y="0"/>
+            <a:ext cx="10515600" cy="1325563"/>
+          </a:xfrm>
+        </p:spPr>
+        <p:txBody>
+          <a:bodyPr/>
+          <a:lstStyle/>
+          <a:p>
+            <a:r>
+              <a:rPr lang="en-US" dirty="0"/>
               <a:t>Beyond that: Model families</a:t>
             </a:r>
           </a:p>
@@ -36044,7 +37922,7 @@
         <p:spPr>
           <a:xfrm>
             <a:off x="276641" y="1325563"/>
-            <a:ext cx="11772484" cy="5078313"/>
+            <a:ext cx="11772484" cy="4801314"/>
           </a:xfrm>
           <a:prstGeom prst="rect">
             <a:avLst/>
@@ -36055,13 +37933,6 @@
             <a:spAutoFit/>
           </a:bodyPr>
           <a:lstStyle/>
-          <a:p>
-            <a:pPr lvl="1"/>
-            <a:r>
-              <a:rPr lang="en-US" dirty="0"/>
-              <a:t>As said, we are not restricted to normal models, and can also e.g. fit a student-t distribution on the response data:</a:t>
-            </a:r>
-          </a:p>
           <a:p>
             <a:pPr lvl="1"/>
             <a:endParaRPr lang="de-DE" dirty="0"/>
@@ -36157,7 +38028,7 @@
         </p:blipFill>
         <p:spPr>
           <a:xfrm>
-            <a:off x="3000583" y="1787228"/>
+            <a:off x="3444467" y="1629255"/>
             <a:ext cx="6324600" cy="3903182"/>
           </a:xfrm>
           <a:prstGeom prst="rect">
@@ -36178,7 +38049,7 @@
 </p:sld>
 </file>
 
-<file path=ppt/slides/slide62.xml><?xml version="1.0" encoding="utf-8"?>
+<file path=ppt/slides/slide65.xml><?xml version="1.0" encoding="utf-8"?>
 <p:sld xmlns:a="http://schemas.openxmlformats.org/drawingml/2006/main" xmlns:r="http://schemas.openxmlformats.org/officeDocument/2006/relationships" xmlns:p="http://schemas.openxmlformats.org/presentationml/2006/main">
   <p:cSld>
     <p:spTree>

--- a/intro_to_brms.pptx
+++ b/intro_to_brms.pptx
@@ -261,7 +261,7 @@
           <a:p>
             <a:fld id="{23B88268-2E67-48A3-82C0-FDDAC97966ED}" type="datetimeFigureOut">
               <a:rPr lang="en-US" smtClean="0"/>
-              <a:t>05-Jul-19</a:t>
+              <a:t>08-Jul-19</a:t>
             </a:fld>
             <a:endParaRPr lang="en-US"/>
           </a:p>
@@ -760,7 +760,7 @@
           <a:p>
             <a:fld id="{CA2C1D64-8603-4654-9C66-AA8C50C45F72}" type="datetimeFigureOut">
               <a:rPr lang="en-US" smtClean="0"/>
-              <a:t>05-Jul-19</a:t>
+              <a:t>08-Jul-19</a:t>
             </a:fld>
             <a:endParaRPr lang="en-US"/>
           </a:p>
@@ -958,7 +958,7 @@
           <a:p>
             <a:fld id="{CA2C1D64-8603-4654-9C66-AA8C50C45F72}" type="datetimeFigureOut">
               <a:rPr lang="en-US" smtClean="0"/>
-              <a:t>05-Jul-19</a:t>
+              <a:t>08-Jul-19</a:t>
             </a:fld>
             <a:endParaRPr lang="en-US"/>
           </a:p>
@@ -1166,7 +1166,7 @@
           <a:p>
             <a:fld id="{CA2C1D64-8603-4654-9C66-AA8C50C45F72}" type="datetimeFigureOut">
               <a:rPr lang="en-US" smtClean="0"/>
-              <a:t>05-Jul-19</a:t>
+              <a:t>08-Jul-19</a:t>
             </a:fld>
             <a:endParaRPr lang="en-US"/>
           </a:p>
@@ -1364,7 +1364,7 @@
           <a:p>
             <a:fld id="{CA2C1D64-8603-4654-9C66-AA8C50C45F72}" type="datetimeFigureOut">
               <a:rPr lang="en-US" smtClean="0"/>
-              <a:t>05-Jul-19</a:t>
+              <a:t>08-Jul-19</a:t>
             </a:fld>
             <a:endParaRPr lang="en-US"/>
           </a:p>
@@ -1639,7 +1639,7 @@
           <a:p>
             <a:fld id="{CA2C1D64-8603-4654-9C66-AA8C50C45F72}" type="datetimeFigureOut">
               <a:rPr lang="en-US" smtClean="0"/>
-              <a:t>05-Jul-19</a:t>
+              <a:t>08-Jul-19</a:t>
             </a:fld>
             <a:endParaRPr lang="en-US"/>
           </a:p>
@@ -1904,7 +1904,7 @@
           <a:p>
             <a:fld id="{CA2C1D64-8603-4654-9C66-AA8C50C45F72}" type="datetimeFigureOut">
               <a:rPr lang="en-US" smtClean="0"/>
-              <a:t>05-Jul-19</a:t>
+              <a:t>08-Jul-19</a:t>
             </a:fld>
             <a:endParaRPr lang="en-US"/>
           </a:p>
@@ -2316,7 +2316,7 @@
           <a:p>
             <a:fld id="{CA2C1D64-8603-4654-9C66-AA8C50C45F72}" type="datetimeFigureOut">
               <a:rPr lang="en-US" smtClean="0"/>
-              <a:t>05-Jul-19</a:t>
+              <a:t>08-Jul-19</a:t>
             </a:fld>
             <a:endParaRPr lang="en-US"/>
           </a:p>
@@ -2457,7 +2457,7 @@
           <a:p>
             <a:fld id="{CA2C1D64-8603-4654-9C66-AA8C50C45F72}" type="datetimeFigureOut">
               <a:rPr lang="en-US" smtClean="0"/>
-              <a:t>05-Jul-19</a:t>
+              <a:t>08-Jul-19</a:t>
             </a:fld>
             <a:endParaRPr lang="en-US"/>
           </a:p>
@@ -2570,7 +2570,7 @@
           <a:p>
             <a:fld id="{CA2C1D64-8603-4654-9C66-AA8C50C45F72}" type="datetimeFigureOut">
               <a:rPr lang="en-US" smtClean="0"/>
-              <a:t>05-Jul-19</a:t>
+              <a:t>08-Jul-19</a:t>
             </a:fld>
             <a:endParaRPr lang="en-US"/>
           </a:p>
@@ -2881,7 +2881,7 @@
           <a:p>
             <a:fld id="{CA2C1D64-8603-4654-9C66-AA8C50C45F72}" type="datetimeFigureOut">
               <a:rPr lang="en-US" smtClean="0"/>
-              <a:t>05-Jul-19</a:t>
+              <a:t>08-Jul-19</a:t>
             </a:fld>
             <a:endParaRPr lang="en-US"/>
           </a:p>
@@ -3169,7 +3169,7 @@
           <a:p>
             <a:fld id="{CA2C1D64-8603-4654-9C66-AA8C50C45F72}" type="datetimeFigureOut">
               <a:rPr lang="en-US" smtClean="0"/>
-              <a:t>05-Jul-19</a:t>
+              <a:t>08-Jul-19</a:t>
             </a:fld>
             <a:endParaRPr lang="en-US"/>
           </a:p>
@@ -3410,7 +3410,7 @@
           <a:p>
             <a:fld id="{CA2C1D64-8603-4654-9C66-AA8C50C45F72}" type="datetimeFigureOut">
               <a:rPr lang="en-US" smtClean="0"/>
-              <a:t>05-Jul-19</a:t>
+              <a:t>08-Jul-19</a:t>
             </a:fld>
             <a:endParaRPr lang="en-US"/>
           </a:p>
@@ -20539,15 +20539,7 @@
             </a:r>
             <a:r>
               <a:rPr lang="en-US" dirty="0"/>
-              <a:t> here (Barr, Levy, </a:t>
-            </a:r>
-            <a:r>
-              <a:rPr lang="en-US" dirty="0" err="1"/>
-              <a:t>Schepers</a:t>
-            </a:r>
-            <a:r>
-              <a:rPr lang="en-US" dirty="0"/>
-              <a:t>, &amp; </a:t>
+              <a:t> here (Barr, Levy, Scheepers, &amp; </a:t>
             </a:r>
             <a:r>
               <a:rPr lang="en-US" dirty="0" err="1"/>

--- a/intro_to_brms.pptx
+++ b/intro_to_brms.pptx
@@ -261,7 +261,7 @@
           <a:p>
             <a:fld id="{23B88268-2E67-48A3-82C0-FDDAC97966ED}" type="datetimeFigureOut">
               <a:rPr lang="en-US" smtClean="0"/>
-              <a:t>08-Jul-19</a:t>
+              <a:t>09-Jul-19</a:t>
             </a:fld>
             <a:endParaRPr lang="en-US"/>
           </a:p>
@@ -760,7 +760,7 @@
           <a:p>
             <a:fld id="{CA2C1D64-8603-4654-9C66-AA8C50C45F72}" type="datetimeFigureOut">
               <a:rPr lang="en-US" smtClean="0"/>
-              <a:t>08-Jul-19</a:t>
+              <a:t>09-Jul-19</a:t>
             </a:fld>
             <a:endParaRPr lang="en-US"/>
           </a:p>
@@ -958,7 +958,7 @@
           <a:p>
             <a:fld id="{CA2C1D64-8603-4654-9C66-AA8C50C45F72}" type="datetimeFigureOut">
               <a:rPr lang="en-US" smtClean="0"/>
-              <a:t>08-Jul-19</a:t>
+              <a:t>09-Jul-19</a:t>
             </a:fld>
             <a:endParaRPr lang="en-US"/>
           </a:p>
@@ -1166,7 +1166,7 @@
           <a:p>
             <a:fld id="{CA2C1D64-8603-4654-9C66-AA8C50C45F72}" type="datetimeFigureOut">
               <a:rPr lang="en-US" smtClean="0"/>
-              <a:t>08-Jul-19</a:t>
+              <a:t>09-Jul-19</a:t>
             </a:fld>
             <a:endParaRPr lang="en-US"/>
           </a:p>
@@ -1364,7 +1364,7 @@
           <a:p>
             <a:fld id="{CA2C1D64-8603-4654-9C66-AA8C50C45F72}" type="datetimeFigureOut">
               <a:rPr lang="en-US" smtClean="0"/>
-              <a:t>08-Jul-19</a:t>
+              <a:t>09-Jul-19</a:t>
             </a:fld>
             <a:endParaRPr lang="en-US"/>
           </a:p>
@@ -1639,7 +1639,7 @@
           <a:p>
             <a:fld id="{CA2C1D64-8603-4654-9C66-AA8C50C45F72}" type="datetimeFigureOut">
               <a:rPr lang="en-US" smtClean="0"/>
-              <a:t>08-Jul-19</a:t>
+              <a:t>09-Jul-19</a:t>
             </a:fld>
             <a:endParaRPr lang="en-US"/>
           </a:p>
@@ -1904,7 +1904,7 @@
           <a:p>
             <a:fld id="{CA2C1D64-8603-4654-9C66-AA8C50C45F72}" type="datetimeFigureOut">
               <a:rPr lang="en-US" smtClean="0"/>
-              <a:t>08-Jul-19</a:t>
+              <a:t>09-Jul-19</a:t>
             </a:fld>
             <a:endParaRPr lang="en-US"/>
           </a:p>
@@ -2316,7 +2316,7 @@
           <a:p>
             <a:fld id="{CA2C1D64-8603-4654-9C66-AA8C50C45F72}" type="datetimeFigureOut">
               <a:rPr lang="en-US" smtClean="0"/>
-              <a:t>08-Jul-19</a:t>
+              <a:t>09-Jul-19</a:t>
             </a:fld>
             <a:endParaRPr lang="en-US"/>
           </a:p>
@@ -2457,7 +2457,7 @@
           <a:p>
             <a:fld id="{CA2C1D64-8603-4654-9C66-AA8C50C45F72}" type="datetimeFigureOut">
               <a:rPr lang="en-US" smtClean="0"/>
-              <a:t>08-Jul-19</a:t>
+              <a:t>09-Jul-19</a:t>
             </a:fld>
             <a:endParaRPr lang="en-US"/>
           </a:p>
@@ -2570,7 +2570,7 @@
           <a:p>
             <a:fld id="{CA2C1D64-8603-4654-9C66-AA8C50C45F72}" type="datetimeFigureOut">
               <a:rPr lang="en-US" smtClean="0"/>
-              <a:t>08-Jul-19</a:t>
+              <a:t>09-Jul-19</a:t>
             </a:fld>
             <a:endParaRPr lang="en-US"/>
           </a:p>
@@ -2881,7 +2881,7 @@
           <a:p>
             <a:fld id="{CA2C1D64-8603-4654-9C66-AA8C50C45F72}" type="datetimeFigureOut">
               <a:rPr lang="en-US" smtClean="0"/>
-              <a:t>08-Jul-19</a:t>
+              <a:t>09-Jul-19</a:t>
             </a:fld>
             <a:endParaRPr lang="en-US"/>
           </a:p>
@@ -3169,7 +3169,7 @@
           <a:p>
             <a:fld id="{CA2C1D64-8603-4654-9C66-AA8C50C45F72}" type="datetimeFigureOut">
               <a:rPr lang="en-US" smtClean="0"/>
-              <a:t>08-Jul-19</a:t>
+              <a:t>09-Jul-19</a:t>
             </a:fld>
             <a:endParaRPr lang="en-US"/>
           </a:p>
@@ -3410,7 +3410,7 @@
           <a:p>
             <a:fld id="{CA2C1D64-8603-4654-9C66-AA8C50C45F72}" type="datetimeFigureOut">
               <a:rPr lang="en-US" smtClean="0"/>
-              <a:t>08-Jul-19</a:t>
+              <a:t>09-Jul-19</a:t>
             </a:fld>
             <a:endParaRPr lang="en-US"/>
           </a:p>
@@ -20348,108 +20348,6 @@
   <p:clrMapOvr>
     <a:masterClrMapping/>
   </p:clrMapOvr>
-  <p:timing>
-    <p:tnLst>
-      <p:par>
-        <p:cTn id="1" dur="indefinite" restart="never" nodeType="tmRoot">
-          <p:childTnLst>
-            <p:seq concurrent="1" nextAc="seek">
-              <p:cTn id="2" dur="indefinite" nodeType="mainSeq">
-                <p:childTnLst>
-                  <p:par>
-                    <p:cTn id="3" fill="hold">
-                      <p:stCondLst>
-                        <p:cond delay="indefinite"/>
-                      </p:stCondLst>
-                      <p:childTnLst>
-                        <p:par>
-                          <p:cTn id="4" fill="hold">
-                            <p:stCondLst>
-                              <p:cond delay="0"/>
-                            </p:stCondLst>
-                            <p:childTnLst>
-                              <p:par>
-                                <p:cTn id="5" presetID="1" presetClass="exit" presetSubtype="0" fill="hold" nodeType="clickEffect">
-                                  <p:stCondLst>
-                                    <p:cond delay="0"/>
-                                  </p:stCondLst>
-                                  <p:childTnLst>
-                                    <p:set>
-                                      <p:cBhvr>
-                                        <p:cTn id="6" dur="1" fill="hold">
-                                          <p:stCondLst>
-                                            <p:cond delay="0"/>
-                                          </p:stCondLst>
-                                        </p:cTn>
-                                        <p:tgtEl>
-                                          <p:spTgt spid="5"/>
-                                        </p:tgtEl>
-                                        <p:attrNameLst>
-                                          <p:attrName>style.visibility</p:attrName>
-                                        </p:attrNameLst>
-                                      </p:cBhvr>
-                                      <p:to>
-                                        <p:strVal val="hidden"/>
-                                      </p:to>
-                                    </p:set>
-                                  </p:childTnLst>
-                                </p:cTn>
-                              </p:par>
-                              <p:par>
-                                <p:cTn id="7" presetID="1" presetClass="exit" presetSubtype="0" fill="hold" nodeType="withEffect">
-                                  <p:stCondLst>
-                                    <p:cond delay="0"/>
-                                  </p:stCondLst>
-                                  <p:childTnLst>
-                                    <p:set>
-                                      <p:cBhvr>
-                                        <p:cTn id="8" dur="1" fill="hold">
-                                          <p:stCondLst>
-                                            <p:cond delay="0"/>
-                                          </p:stCondLst>
-                                        </p:cTn>
-                                        <p:tgtEl>
-                                          <p:spTgt spid="4"/>
-                                        </p:tgtEl>
-                                        <p:attrNameLst>
-                                          <p:attrName>style.visibility</p:attrName>
-                                        </p:attrNameLst>
-                                      </p:cBhvr>
-                                      <p:to>
-                                        <p:strVal val="hidden"/>
-                                      </p:to>
-                                    </p:set>
-                                  </p:childTnLst>
-                                </p:cTn>
-                              </p:par>
-                            </p:childTnLst>
-                          </p:cTn>
-                        </p:par>
-                      </p:childTnLst>
-                    </p:cTn>
-                  </p:par>
-                </p:childTnLst>
-              </p:cTn>
-              <p:prevCondLst>
-                <p:cond evt="onPrev" delay="0">
-                  <p:tgtEl>
-                    <p:sldTgt/>
-                  </p:tgtEl>
-                </p:cond>
-              </p:prevCondLst>
-              <p:nextCondLst>
-                <p:cond evt="onNext" delay="0">
-                  <p:tgtEl>
-                    <p:sldTgt/>
-                  </p:tgtEl>
-                </p:cond>
-              </p:nextCondLst>
-            </p:seq>
-          </p:childTnLst>
-        </p:cTn>
-      </p:par>
-    </p:tnLst>
-  </p:timing>
 </p:sld>
 </file>
 
@@ -22015,7 +21913,7 @@
                                           </p:stCondLst>
                                         </p:cTn>
                                         <p:tgtEl>
-                                          <p:spTgt spid="5"/>
+                                          <p:spTgt spid="10"/>
                                         </p:tgtEl>
                                         <p:attrNameLst>
                                           <p:attrName>style.visibility</p:attrName>
@@ -22028,35 +21926,26 @@
                                   </p:childTnLst>
                                 </p:cTn>
                               </p:par>
+                            </p:childTnLst>
+                          </p:cTn>
+                        </p:par>
+                      </p:childTnLst>
+                    </p:cTn>
+                  </p:par>
+                  <p:par>
+                    <p:cTn id="9" fill="hold">
+                      <p:stCondLst>
+                        <p:cond delay="indefinite"/>
+                      </p:stCondLst>
+                      <p:childTnLst>
+                        <p:par>
+                          <p:cTn id="10" fill="hold">
+                            <p:stCondLst>
+                              <p:cond delay="0"/>
+                            </p:stCondLst>
+                            <p:childTnLst>
                               <p:par>
-                                <p:cTn id="9" presetID="1" presetClass="entr" presetSubtype="0" fill="hold" grpId="0" nodeType="withEffect">
-                                  <p:stCondLst>
-                                    <p:cond delay="0"/>
-                                  </p:stCondLst>
-                                  <p:childTnLst>
-                                    <p:set>
-                                      <p:cBhvr>
-                                        <p:cTn id="10" dur="1" fill="hold">
-                                          <p:stCondLst>
-                                            <p:cond delay="0"/>
-                                          </p:stCondLst>
-                                        </p:cTn>
-                                        <p:tgtEl>
-                                          <p:spTgt spid="6"/>
-                                        </p:tgtEl>
-                                        <p:attrNameLst>
-                                          <p:attrName>style.visibility</p:attrName>
-                                        </p:attrNameLst>
-                                      </p:cBhvr>
-                                      <p:to>
-                                        <p:strVal val="visible"/>
-                                      </p:to>
-                                    </p:set>
-                                  </p:childTnLst>
-                                </p:cTn>
-                              </p:par>
-                              <p:par>
-                                <p:cTn id="11" presetID="1" presetClass="entr" presetSubtype="0" fill="hold" grpId="0" nodeType="withEffect">
+                                <p:cTn id="11" presetID="1" presetClass="entr" presetSubtype="0" fill="hold" grpId="0" nodeType="clickEffect">
                                   <p:stCondLst>
                                     <p:cond delay="0"/>
                                   </p:stCondLst>
@@ -22069,7 +21958,7 @@
                                           </p:stCondLst>
                                         </p:cTn>
                                         <p:tgtEl>
-                                          <p:spTgt spid="7"/>
+                                          <p:spTgt spid="5"/>
                                         </p:tgtEl>
                                         <p:attrNameLst>
                                           <p:attrName>style.visibility</p:attrName>
@@ -22096,7 +21985,7 @@
                                           </p:stCondLst>
                                         </p:cTn>
                                         <p:tgtEl>
-                                          <p:spTgt spid="8"/>
+                                          <p:spTgt spid="7"/>
                                         </p:tgtEl>
                                         <p:attrNameLst>
                                           <p:attrName>style.visibility</p:attrName>
@@ -22141,7 +22030,34 @@
                                           </p:stCondLst>
                                         </p:cTn>
                                         <p:tgtEl>
-                                          <p:spTgt spid="10"/>
+                                          <p:spTgt spid="6"/>
+                                        </p:tgtEl>
+                                        <p:attrNameLst>
+                                          <p:attrName>style.visibility</p:attrName>
+                                        </p:attrNameLst>
+                                      </p:cBhvr>
+                                      <p:to>
+                                        <p:strVal val="visible"/>
+                                      </p:to>
+                                    </p:set>
+                                  </p:childTnLst>
+                                </p:cTn>
+                              </p:par>
+                              <p:par>
+                                <p:cTn id="19" presetID="1" presetClass="entr" presetSubtype="0" fill="hold" grpId="0" nodeType="withEffect">
+                                  <p:stCondLst>
+                                    <p:cond delay="0"/>
+                                  </p:stCondLst>
+                                  <p:childTnLst>
+                                    <p:set>
+                                      <p:cBhvr>
+                                        <p:cTn id="20" dur="1" fill="hold">
+                                          <p:stCondLst>
+                                            <p:cond delay="0"/>
+                                          </p:stCondLst>
+                                        </p:cTn>
+                                        <p:tgtEl>
+                                          <p:spTgt spid="8"/>
                                         </p:tgtEl>
                                         <p:attrNameLst>
                                           <p:attrName>style.visibility</p:attrName>
@@ -22426,7 +22342,7 @@
             </a:r>
             <a:r>
               <a:rPr lang="en-US" sz="2400" dirty="0"/>
-              <a:t>	interpretation vastly quite a lot</a:t>
+              <a:t>	interpretation differ quite a lot</a:t>
             </a:r>
           </a:p>
           <a:p>
@@ -27094,7 +27010,7 @@
           <a:p>
             <a:r>
               <a:rPr lang="en-US" dirty="0"/>
-              <a:t>Fitting: priors</a:t>
+              <a:t>Fitting: weakly regularizing default priors</a:t>
             </a:r>
           </a:p>
         </p:txBody>
@@ -28091,7 +28007,7 @@
             </a:pPr>
             <a:r>
               <a:rPr lang="en-US" sz="2400" dirty="0"/>
-              <a:t>Honestly, we have ran quite some GNG studies in the lab, I could me much more specific than this without making very bold claims (but lets use only the above for now)…</a:t>
+              <a:t>Actually, we have ran quite some GNG studies in the lab, I could me much more specific than this without making very bold claims (but lets use only the above for now)…</a:t>
             </a:r>
           </a:p>
           <a:p>
@@ -28311,7 +28227,7 @@
             </a:pPr>
             <a:r>
               <a:rPr lang="en-US" sz="2400" dirty="0"/>
-              <a:t>Specify:</a:t>
+              <a:t>How to specify this:</a:t>
             </a:r>
           </a:p>
           <a:p>
@@ -28517,9 +28433,9 @@
                                           </p:stCondLst>
                                         </p:cTn>
                                         <p:tgtEl>
-                                          <p:spTgt spid="12">
+                                          <p:spTgt spid="8">
                                             <p:txEl>
-                                              <p:pRg st="3" end="3"/>
+                                              <p:pRg st="2" end="2"/>
                                             </p:txEl>
                                           </p:spTgt>
                                         </p:tgtEl>
@@ -28568,7 +28484,7 @@
                                         <p:tgtEl>
                                           <p:spTgt spid="12">
                                             <p:txEl>
-                                              <p:pRg st="4" end="4"/>
+                                              <p:pRg st="3" end="3"/>
                                             </p:txEl>
                                           </p:spTgt>
                                         </p:tgtEl>
@@ -28615,9 +28531,9 @@
                                           </p:stCondLst>
                                         </p:cTn>
                                         <p:tgtEl>
-                                          <p:spTgt spid="12">
+                                          <p:spTgt spid="8">
                                             <p:txEl>
-                                              <p:pRg st="6" end="6"/>
+                                              <p:pRg st="3" end="3"/>
                                             </p:txEl>
                                           </p:spTgt>
                                         </p:tgtEl>
@@ -28664,40 +28580,9 @@
                                           </p:stCondLst>
                                         </p:cTn>
                                         <p:tgtEl>
-                                          <p:spTgt spid="8">
+                                          <p:spTgt spid="12">
                                             <p:txEl>
-                                              <p:pRg st="0" end="0"/>
-                                            </p:txEl>
-                                          </p:spTgt>
-                                        </p:tgtEl>
-                                        <p:attrNameLst>
-                                          <p:attrName>style.visibility</p:attrName>
-                                        </p:attrNameLst>
-                                      </p:cBhvr>
-                                      <p:to>
-                                        <p:strVal val="visible"/>
-                                      </p:to>
-                                    </p:set>
-                                  </p:childTnLst>
-                                </p:cTn>
-                              </p:par>
-                              <p:par>
-                                <p:cTn id="23" presetID="1" presetClass="entr" presetSubtype="0" fill="hold" nodeType="withEffect">
-                                  <p:stCondLst>
-                                    <p:cond delay="0"/>
-                                  </p:stCondLst>
-                                  <p:childTnLst>
-                                    <p:set>
-                                      <p:cBhvr>
-                                        <p:cTn id="24" dur="1" fill="hold">
-                                          <p:stCondLst>
-                                            <p:cond delay="0"/>
-                                          </p:stCondLst>
-                                        </p:cTn>
-                                        <p:tgtEl>
-                                          <p:spTgt spid="8">
-                                            <p:txEl>
-                                              <p:pRg st="2" end="2"/>
+                                              <p:pRg st="4" end="4"/>
                                             </p:txEl>
                                           </p:spTgt>
                                         </p:tgtEl>
@@ -28719,26 +28604,26 @@
                     </p:cTn>
                   </p:par>
                   <p:par>
-                    <p:cTn id="25" fill="hold">
+                    <p:cTn id="23" fill="hold">
                       <p:stCondLst>
                         <p:cond delay="indefinite"/>
                       </p:stCondLst>
                       <p:childTnLst>
                         <p:par>
-                          <p:cTn id="26" fill="hold">
+                          <p:cTn id="24" fill="hold">
                             <p:stCondLst>
                               <p:cond delay="0"/>
                             </p:stCondLst>
                             <p:childTnLst>
                               <p:par>
-                                <p:cTn id="27" presetID="1" presetClass="entr" presetSubtype="0" fill="hold" nodeType="clickEffect">
+                                <p:cTn id="25" presetID="1" presetClass="entr" presetSubtype="0" fill="hold" nodeType="clickEffect">
                                   <p:stCondLst>
                                     <p:cond delay="0"/>
                                   </p:stCondLst>
                                   <p:childTnLst>
                                     <p:set>
                                       <p:cBhvr>
-                                        <p:cTn id="28" dur="1" fill="hold">
+                                        <p:cTn id="26" dur="1" fill="hold">
                                           <p:stCondLst>
                                             <p:cond delay="0"/>
                                           </p:stCondLst>
@@ -28746,7 +28631,7 @@
                                         <p:tgtEl>
                                           <p:spTgt spid="8">
                                             <p:txEl>
-                                              <p:pRg st="3" end="3"/>
+                                              <p:pRg st="4" end="4"/>
                                             </p:txEl>
                                           </p:spTgt>
                                         </p:tgtEl>
@@ -28768,34 +28653,34 @@
                     </p:cTn>
                   </p:par>
                   <p:par>
-                    <p:cTn id="29" fill="hold">
+                    <p:cTn id="27" fill="hold">
                       <p:stCondLst>
                         <p:cond delay="indefinite"/>
                       </p:stCondLst>
                       <p:childTnLst>
                         <p:par>
-                          <p:cTn id="30" fill="hold">
+                          <p:cTn id="28" fill="hold">
                             <p:stCondLst>
                               <p:cond delay="0"/>
                             </p:stCondLst>
                             <p:childTnLst>
                               <p:par>
-                                <p:cTn id="31" presetID="1" presetClass="entr" presetSubtype="0" fill="hold" nodeType="clickEffect">
+                                <p:cTn id="29" presetID="1" presetClass="entr" presetSubtype="0" fill="hold" nodeType="clickEffect">
                                   <p:stCondLst>
                                     <p:cond delay="0"/>
                                   </p:stCondLst>
                                   <p:childTnLst>
                                     <p:set>
                                       <p:cBhvr>
-                                        <p:cTn id="32" dur="1" fill="hold">
+                                        <p:cTn id="30" dur="1" fill="hold">
                                           <p:stCondLst>
                                             <p:cond delay="0"/>
                                           </p:stCondLst>
                                         </p:cTn>
                                         <p:tgtEl>
-                                          <p:spTgt spid="8">
+                                          <p:spTgt spid="12">
                                             <p:txEl>
-                                              <p:pRg st="4" end="4"/>
+                                              <p:pRg st="6" end="6"/>
                                             </p:txEl>
                                           </p:spTgt>
                                         </p:tgtEl>
@@ -29946,7 +29831,7 @@
               <a:rPr lang="en-US" sz="2400" dirty="0">
                 <a:latin typeface="Consolas" panose="020B0609020204030204" pitchFamily="49" charset="0"/>
               </a:rPr>
-              <a:t>Hairy caterpillars</a:t>
+              <a:t>Fat, hairy caterpillars</a:t>
             </a:r>
           </a:p>
           <a:p>
@@ -30010,6 +29895,13 @@
             <a:pPr marL="0" indent="0">
               <a:buNone/>
             </a:pPr>
+            <a:r>
+              <a:rPr lang="en-US" sz="2400" dirty="0">
+                <a:latin typeface="Consolas" panose="020B0609020204030204" pitchFamily="49" charset="0"/>
+                <a:sym typeface="Wingdings" panose="05000000000000000000" pitchFamily="2" charset="2"/>
+              </a:rPr>
+              <a:t> </a:t>
+            </a:r>
             <a:r>
               <a:rPr lang="en-US" sz="2400" dirty="0">
                 <a:latin typeface="Consolas" panose="020B0609020204030204" pitchFamily="49" charset="0"/>
@@ -30137,6 +30029,321 @@
   <p:clrMapOvr>
     <a:masterClrMapping/>
   </p:clrMapOvr>
+  <p:timing>
+    <p:tnLst>
+      <p:par>
+        <p:cTn id="1" dur="indefinite" restart="never" nodeType="tmRoot">
+          <p:childTnLst>
+            <p:seq concurrent="1" nextAc="seek">
+              <p:cTn id="2" dur="indefinite" nodeType="mainSeq">
+                <p:childTnLst>
+                  <p:par>
+                    <p:cTn id="3" fill="hold">
+                      <p:stCondLst>
+                        <p:cond delay="indefinite"/>
+                      </p:stCondLst>
+                      <p:childTnLst>
+                        <p:par>
+                          <p:cTn id="4" fill="hold">
+                            <p:stCondLst>
+                              <p:cond delay="0"/>
+                            </p:stCondLst>
+                            <p:childTnLst>
+                              <p:par>
+                                <p:cTn id="5" presetID="1" presetClass="entr" presetSubtype="0" fill="hold" nodeType="clickEffect">
+                                  <p:stCondLst>
+                                    <p:cond delay="0"/>
+                                  </p:stCondLst>
+                                  <p:childTnLst>
+                                    <p:set>
+                                      <p:cBhvr>
+                                        <p:cTn id="6" dur="1" fill="hold">
+                                          <p:stCondLst>
+                                            <p:cond delay="0"/>
+                                          </p:stCondLst>
+                                        </p:cTn>
+                                        <p:tgtEl>
+                                          <p:spTgt spid="11">
+                                            <p:txEl>
+                                              <p:pRg st="0" end="0"/>
+                                            </p:txEl>
+                                          </p:spTgt>
+                                        </p:tgtEl>
+                                        <p:attrNameLst>
+                                          <p:attrName>style.visibility</p:attrName>
+                                        </p:attrNameLst>
+                                      </p:cBhvr>
+                                      <p:to>
+                                        <p:strVal val="visible"/>
+                                      </p:to>
+                                    </p:set>
+                                  </p:childTnLst>
+                                </p:cTn>
+                              </p:par>
+                            </p:childTnLst>
+                          </p:cTn>
+                        </p:par>
+                      </p:childTnLst>
+                    </p:cTn>
+                  </p:par>
+                  <p:par>
+                    <p:cTn id="7" fill="hold">
+                      <p:stCondLst>
+                        <p:cond delay="indefinite"/>
+                      </p:stCondLst>
+                      <p:childTnLst>
+                        <p:par>
+                          <p:cTn id="8" fill="hold">
+                            <p:stCondLst>
+                              <p:cond delay="0"/>
+                            </p:stCondLst>
+                            <p:childTnLst>
+                              <p:par>
+                                <p:cTn id="9" presetID="1" presetClass="entr" presetSubtype="0" fill="hold" nodeType="clickEffect">
+                                  <p:stCondLst>
+                                    <p:cond delay="0"/>
+                                  </p:stCondLst>
+                                  <p:childTnLst>
+                                    <p:set>
+                                      <p:cBhvr>
+                                        <p:cTn id="10" dur="1" fill="hold">
+                                          <p:stCondLst>
+                                            <p:cond delay="0"/>
+                                          </p:stCondLst>
+                                        </p:cTn>
+                                        <p:tgtEl>
+                                          <p:spTgt spid="11">
+                                            <p:txEl>
+                                              <p:pRg st="1" end="1"/>
+                                            </p:txEl>
+                                          </p:spTgt>
+                                        </p:tgtEl>
+                                        <p:attrNameLst>
+                                          <p:attrName>style.visibility</p:attrName>
+                                        </p:attrNameLst>
+                                      </p:cBhvr>
+                                      <p:to>
+                                        <p:strVal val="visible"/>
+                                      </p:to>
+                                    </p:set>
+                                  </p:childTnLst>
+                                </p:cTn>
+                              </p:par>
+                              <p:par>
+                                <p:cTn id="11" presetID="1" presetClass="entr" presetSubtype="0" fill="hold" nodeType="withEffect">
+                                  <p:stCondLst>
+                                    <p:cond delay="0"/>
+                                  </p:stCondLst>
+                                  <p:childTnLst>
+                                    <p:set>
+                                      <p:cBhvr>
+                                        <p:cTn id="12" dur="1" fill="hold">
+                                          <p:stCondLst>
+                                            <p:cond delay="0"/>
+                                          </p:stCondLst>
+                                        </p:cTn>
+                                        <p:tgtEl>
+                                          <p:spTgt spid="11">
+                                            <p:txEl>
+                                              <p:pRg st="2" end="2"/>
+                                            </p:txEl>
+                                          </p:spTgt>
+                                        </p:tgtEl>
+                                        <p:attrNameLst>
+                                          <p:attrName>style.visibility</p:attrName>
+                                        </p:attrNameLst>
+                                      </p:cBhvr>
+                                      <p:to>
+                                        <p:strVal val="visible"/>
+                                      </p:to>
+                                    </p:set>
+                                  </p:childTnLst>
+                                </p:cTn>
+                              </p:par>
+                              <p:par>
+                                <p:cTn id="13" presetID="1" presetClass="entr" presetSubtype="0" fill="hold" grpId="0" nodeType="withEffect">
+                                  <p:stCondLst>
+                                    <p:cond delay="0"/>
+                                  </p:stCondLst>
+                                  <p:childTnLst>
+                                    <p:set>
+                                      <p:cBhvr>
+                                        <p:cTn id="14" dur="1" fill="hold">
+                                          <p:stCondLst>
+                                            <p:cond delay="0"/>
+                                          </p:stCondLst>
+                                        </p:cTn>
+                                        <p:tgtEl>
+                                          <p:spTgt spid="13"/>
+                                        </p:tgtEl>
+                                        <p:attrNameLst>
+                                          <p:attrName>style.visibility</p:attrName>
+                                        </p:attrNameLst>
+                                      </p:cBhvr>
+                                      <p:to>
+                                        <p:strVal val="visible"/>
+                                      </p:to>
+                                    </p:set>
+                                  </p:childTnLst>
+                                </p:cTn>
+                              </p:par>
+                              <p:par>
+                                <p:cTn id="15" presetID="1" presetClass="entr" presetSubtype="0" fill="hold" grpId="0" nodeType="withEffect">
+                                  <p:stCondLst>
+                                    <p:cond delay="0"/>
+                                  </p:stCondLst>
+                                  <p:childTnLst>
+                                    <p:set>
+                                      <p:cBhvr>
+                                        <p:cTn id="16" dur="1" fill="hold">
+                                          <p:stCondLst>
+                                            <p:cond delay="0"/>
+                                          </p:stCondLst>
+                                        </p:cTn>
+                                        <p:tgtEl>
+                                          <p:spTgt spid="12"/>
+                                        </p:tgtEl>
+                                        <p:attrNameLst>
+                                          <p:attrName>style.visibility</p:attrName>
+                                        </p:attrNameLst>
+                                      </p:cBhvr>
+                                      <p:to>
+                                        <p:strVal val="visible"/>
+                                      </p:to>
+                                    </p:set>
+                                  </p:childTnLst>
+                                </p:cTn>
+                              </p:par>
+                            </p:childTnLst>
+                          </p:cTn>
+                        </p:par>
+                      </p:childTnLst>
+                    </p:cTn>
+                  </p:par>
+                  <p:par>
+                    <p:cTn id="17" fill="hold">
+                      <p:stCondLst>
+                        <p:cond delay="indefinite"/>
+                      </p:stCondLst>
+                      <p:childTnLst>
+                        <p:par>
+                          <p:cTn id="18" fill="hold">
+                            <p:stCondLst>
+                              <p:cond delay="0"/>
+                            </p:stCondLst>
+                            <p:childTnLst>
+                              <p:par>
+                                <p:cTn id="19" presetID="1" presetClass="entr" presetSubtype="0" fill="hold" nodeType="clickEffect">
+                                  <p:stCondLst>
+                                    <p:cond delay="0"/>
+                                  </p:stCondLst>
+                                  <p:childTnLst>
+                                    <p:set>
+                                      <p:cBhvr>
+                                        <p:cTn id="20" dur="1" fill="hold">
+                                          <p:stCondLst>
+                                            <p:cond delay="0"/>
+                                          </p:stCondLst>
+                                        </p:cTn>
+                                        <p:tgtEl>
+                                          <p:spTgt spid="11">
+                                            <p:txEl>
+                                              <p:pRg st="3" end="3"/>
+                                            </p:txEl>
+                                          </p:spTgt>
+                                        </p:tgtEl>
+                                        <p:attrNameLst>
+                                          <p:attrName>style.visibility</p:attrName>
+                                        </p:attrNameLst>
+                                      </p:cBhvr>
+                                      <p:to>
+                                        <p:strVal val="visible"/>
+                                      </p:to>
+                                    </p:set>
+                                  </p:childTnLst>
+                                </p:cTn>
+                              </p:par>
+                            </p:childTnLst>
+                          </p:cTn>
+                        </p:par>
+                      </p:childTnLst>
+                    </p:cTn>
+                  </p:par>
+                  <p:par>
+                    <p:cTn id="21" fill="hold">
+                      <p:stCondLst>
+                        <p:cond delay="indefinite"/>
+                      </p:stCondLst>
+                      <p:childTnLst>
+                        <p:par>
+                          <p:cTn id="22" fill="hold">
+                            <p:stCondLst>
+                              <p:cond delay="0"/>
+                            </p:stCondLst>
+                            <p:childTnLst>
+                              <p:par>
+                                <p:cTn id="23" presetID="1" presetClass="entr" presetSubtype="0" fill="hold" nodeType="clickEffect">
+                                  <p:stCondLst>
+                                    <p:cond delay="0"/>
+                                  </p:stCondLst>
+                                  <p:childTnLst>
+                                    <p:set>
+                                      <p:cBhvr>
+                                        <p:cTn id="24" dur="1" fill="hold">
+                                          <p:stCondLst>
+                                            <p:cond delay="0"/>
+                                          </p:stCondLst>
+                                        </p:cTn>
+                                        <p:tgtEl>
+                                          <p:spTgt spid="11">
+                                            <p:txEl>
+                                              <p:pRg st="4" end="4"/>
+                                            </p:txEl>
+                                          </p:spTgt>
+                                        </p:tgtEl>
+                                        <p:attrNameLst>
+                                          <p:attrName>style.visibility</p:attrName>
+                                        </p:attrNameLst>
+                                      </p:cBhvr>
+                                      <p:to>
+                                        <p:strVal val="visible"/>
+                                      </p:to>
+                                    </p:set>
+                                  </p:childTnLst>
+                                </p:cTn>
+                              </p:par>
+                            </p:childTnLst>
+                          </p:cTn>
+                        </p:par>
+                      </p:childTnLst>
+                    </p:cTn>
+                  </p:par>
+                </p:childTnLst>
+              </p:cTn>
+              <p:prevCondLst>
+                <p:cond evt="onPrev" delay="0">
+                  <p:tgtEl>
+                    <p:sldTgt/>
+                  </p:tgtEl>
+                </p:cond>
+              </p:prevCondLst>
+              <p:nextCondLst>
+                <p:cond evt="onNext" delay="0">
+                  <p:tgtEl>
+                    <p:sldTgt/>
+                  </p:tgtEl>
+                </p:cond>
+              </p:nextCondLst>
+            </p:seq>
+          </p:childTnLst>
+        </p:cTn>
+      </p:par>
+    </p:tnLst>
+    <p:bldLst>
+      <p:bldP spid="12" grpId="0" animBg="1"/>
+      <p:bldP spid="13" grpId="0" animBg="1"/>
+    </p:bldLst>
+  </p:timing>
 </p:sld>
 </file>
 
@@ -30185,7 +30392,7 @@
           <a:p>
             <a:r>
               <a:rPr lang="en-US" dirty="0"/>
-              <a:t>Diagnostics: Convergence: What if it goes wrong?</a:t>
+              <a:t>Diagnostics: Convergence - What if it goes wrong?</a:t>
             </a:r>
           </a:p>
         </p:txBody>
@@ -30434,7 +30641,7 @@
         <p:spPr>
           <a:xfrm>
             <a:off x="0" y="2306638"/>
-            <a:ext cx="11772484" cy="4801314"/>
+            <a:ext cx="11772484" cy="5078313"/>
           </a:xfrm>
           <a:prstGeom prst="rect">
             <a:avLst/>
@@ -30475,6 +30682,22 @@
             </a:r>
           </a:p>
           <a:p>
+            <a:pPr lvl="2"/>
+            <a:r>
+              <a:rPr lang="en-US" dirty="0"/>
+              <a:t>- </a:t>
+            </a:r>
+            <a:r>
+              <a:rPr lang="nb-NO" dirty="0">
+                <a:latin typeface="Consolas" panose="020B0609020204030204" pitchFamily="49" charset="0"/>
+              </a:rPr>
+              <a:t>control = list(adapt_delta = .99)</a:t>
+            </a:r>
+            <a:endParaRPr lang="en-US" dirty="0">
+              <a:latin typeface="Consolas" panose="020B0609020204030204" pitchFamily="49" charset="0"/>
+            </a:endParaRPr>
+          </a:p>
+          <a:p>
             <a:pPr marL="800100" lvl="1" indent="-342900">
               <a:buAutoNum type="arabicPeriod"/>
             </a:pPr>
@@ -30486,7 +30709,9 @@
           </a:p>
           <a:p>
             <a:pPr lvl="1"/>
-            <a:endParaRPr lang="en-US" dirty="0"/>
+            <a:endParaRPr lang="en-US" dirty="0">
+              <a:latin typeface="Consolas" panose="020B0609020204030204" pitchFamily="49" charset="0"/>
+            </a:endParaRPr>
           </a:p>
           <a:p>
             <a:pPr lvl="1"/>

--- a/intro_to_brms.pptx
+++ b/intro_to_brms.pptx
@@ -16343,15 +16343,7 @@
             <a:pPr algn="ctr"/>
             <a:r>
               <a:rPr lang="de-DE" sz="7200" dirty="0"/>
-              <a:t>Markov </a:t>
-            </a:r>
-            <a:r>
-              <a:rPr lang="de-DE" sz="7200" dirty="0" err="1"/>
-              <a:t>chain</a:t>
-            </a:r>
-            <a:r>
-              <a:rPr lang="de-DE" sz="7200" dirty="0"/>
-              <a:t> Monte Carlo (MCMC) </a:t>
+              <a:t>Markov Chain Monte Carlo (MCMC) </a:t>
             </a:r>
             <a:r>
               <a:rPr lang="de-DE" sz="7200" dirty="0" err="1"/>
@@ -20517,6 +20509,81 @@
   <p:clrMapOvr>
     <a:masterClrMapping/>
   </p:clrMapOvr>
+  <p:timing>
+    <p:tnLst>
+      <p:par>
+        <p:cTn id="1" dur="indefinite" restart="never" nodeType="tmRoot">
+          <p:childTnLst>
+            <p:seq concurrent="1" nextAc="seek">
+              <p:cTn id="2" dur="indefinite" nodeType="mainSeq">
+                <p:childTnLst>
+                  <p:par>
+                    <p:cTn id="3" fill="hold">
+                      <p:stCondLst>
+                        <p:cond delay="indefinite"/>
+                      </p:stCondLst>
+                      <p:childTnLst>
+                        <p:par>
+                          <p:cTn id="4" fill="hold">
+                            <p:stCondLst>
+                              <p:cond delay="0"/>
+                            </p:stCondLst>
+                            <p:childTnLst>
+                              <p:par>
+                                <p:cTn id="5" presetID="1" presetClass="entr" presetSubtype="0" fill="hold" nodeType="clickEffect">
+                                  <p:stCondLst>
+                                    <p:cond delay="0"/>
+                                  </p:stCondLst>
+                                  <p:childTnLst>
+                                    <p:set>
+                                      <p:cBhvr>
+                                        <p:cTn id="6" dur="1" fill="hold">
+                                          <p:stCondLst>
+                                            <p:cond delay="0"/>
+                                          </p:stCondLst>
+                                        </p:cTn>
+                                        <p:tgtEl>
+                                          <p:spTgt spid="9"/>
+                                        </p:tgtEl>
+                                        <p:attrNameLst>
+                                          <p:attrName>style.visibility</p:attrName>
+                                        </p:attrNameLst>
+                                      </p:cBhvr>
+                                      <p:to>
+                                        <p:strVal val="visible"/>
+                                      </p:to>
+                                    </p:set>
+                                  </p:childTnLst>
+                                </p:cTn>
+                              </p:par>
+                            </p:childTnLst>
+                          </p:cTn>
+                        </p:par>
+                      </p:childTnLst>
+                    </p:cTn>
+                  </p:par>
+                </p:childTnLst>
+              </p:cTn>
+              <p:prevCondLst>
+                <p:cond evt="onPrev" delay="0">
+                  <p:tgtEl>
+                    <p:sldTgt/>
+                  </p:tgtEl>
+                </p:cond>
+              </p:prevCondLst>
+              <p:nextCondLst>
+                <p:cond evt="onNext" delay="0">
+                  <p:tgtEl>
+                    <p:sldTgt/>
+                  </p:tgtEl>
+                </p:cond>
+              </p:nextCondLst>
+            </p:seq>
+          </p:childTnLst>
+        </p:cTn>
+      </p:par>
+    </p:tnLst>
+  </p:timing>
 </p:sld>
 </file>
 
